--- a/doc/resume.pptx
+++ b/doc/resume.pptx
@@ -3408,14 +3408,7 @@
                 <a:latin typeface="微软雅黑" panose="020B0503020204020204" pitchFamily="34" charset="-122"/>
                 <a:ea typeface="微软雅黑" panose="020B0503020204020204" pitchFamily="34" charset="-122"/>
               </a:rPr>
-              <a:t>天津工业大学</a:t>
-            </a:r>
-            <a:r>
-              <a:rPr lang="zh-CN" altLang="en-US" sz="900" dirty="0">
-                <a:latin typeface="微软雅黑" panose="020B0503020204020204" pitchFamily="34" charset="-122"/>
-                <a:ea typeface="微软雅黑" panose="020B0503020204020204" pitchFamily="34" charset="-122"/>
-              </a:rPr>
-              <a:t>  </a:t>
+              <a:t>天津工业大学  </a:t>
             </a:r>
             <a:r>
               <a:rPr lang="zh-CN" altLang="en-US" sz="900" dirty="0" smtClean="0">
@@ -3545,15 +3538,7 @@
                 <a:ea typeface="微软雅黑" panose="020B0503020204020204" pitchFamily="34" charset="-122"/>
                 <a:hlinkClick r:id="rId1"/>
               </a:rPr>
-              <a:t>ymx0107</a:t>
-            </a:r>
-            <a:r>
-              <a:rPr lang="en-US" altLang="zh-CN" sz="900" dirty="0" smtClean="0">
-                <a:latin typeface="微软雅黑" panose="020B0503020204020204" pitchFamily="34" charset="-122"/>
-                <a:ea typeface="微软雅黑" panose="020B0503020204020204" pitchFamily="34" charset="-122"/>
-                <a:hlinkClick r:id="rId1"/>
-              </a:rPr>
-              <a:t>@gmail.com</a:t>
+              <a:t>ymx0107@gmail.com</a:t>
             </a:r>
             <a:endParaRPr lang="en-US" altLang="zh-CN" sz="900" dirty="0" smtClean="0">
               <a:latin typeface="微软雅黑" panose="020B0503020204020204" pitchFamily="34" charset="-122"/>
@@ -3601,15 +3586,7 @@
                 <a:ea typeface="微软雅黑" panose="020B0503020204020204" pitchFamily="34" charset="-122"/>
                 <a:hlinkClick r:id="rId2"/>
               </a:rPr>
-              <a:t>moxinn.com</a:t>
-            </a:r>
-            <a:r>
-              <a:rPr lang="en-US" altLang="zh-CN" sz="900" dirty="0">
-                <a:latin typeface="微软雅黑" panose="020B0503020204020204" pitchFamily="34" charset="-122"/>
-                <a:ea typeface="微软雅黑" panose="020B0503020204020204" pitchFamily="34" charset="-122"/>
-                <a:hlinkClick r:id="rId2"/>
-              </a:rPr>
-              <a:t>/</a:t>
+              <a:t>moxinn.com/</a:t>
             </a:r>
             <a:r>
               <a:rPr lang="en-US" altLang="zh-CN" sz="900" dirty="0">
@@ -4136,7 +4113,7 @@
         <p:spPr>
           <a:xfrm>
             <a:off x="2028724" y="9526055"/>
-            <a:ext cx="2592705" cy="213995"/>
+            <a:ext cx="2225040" cy="213995"/>
           </a:xfrm>
           <a:prstGeom prst="rect">
             <a:avLst/>
@@ -4149,6 +4126,7 @@
           </a:bodyPr>
           <a:lstStyle/>
           <a:p>
+            <a:pPr algn="l"/>
             <a:r>
               <a:rPr lang="zh-CN" altLang="en-US" sz="800" dirty="0" smtClean="0">
                 <a:latin typeface="微软雅黑" panose="020B0503020204020204" pitchFamily="34" charset="-122"/>
@@ -4162,25 +4140,9 @@
                 <a:ea typeface="微软雅黑" panose="020B0503020204020204" pitchFamily="34" charset="-122"/>
                 <a:hlinkClick r:id="rId4"/>
               </a:rPr>
-              <a:t>https</a:t>
-            </a:r>
-            <a:r>
-              <a:rPr lang="en-US" altLang="zh-CN" sz="800" dirty="0" smtClean="0">
-                <a:latin typeface="微软雅黑" panose="020B0503020204020204" pitchFamily="34" charset="-122"/>
-                <a:ea typeface="微软雅黑" panose="020B0503020204020204" pitchFamily="34" charset="-122"/>
-                <a:hlinkClick r:id="rId4"/>
-              </a:rPr>
-              <a:t>://yangmaxin</a:t>
-            </a:r>
-            <a:r>
-              <a:rPr lang="en-US" altLang="zh-CN" sz="800" dirty="0" smtClean="0">
-                <a:latin typeface="微软雅黑" panose="020B0503020204020204" pitchFamily="34" charset="-122"/>
-                <a:ea typeface="微软雅黑" panose="020B0503020204020204" pitchFamily="34" charset="-122"/>
-                <a:hlinkClick r:id="rId4"/>
-              </a:rPr>
-              <a:t>.github.io/resume/</a:t>
-            </a:r>
-            <a:endParaRPr lang="en-US" altLang="zh-CN" sz="800" dirty="0" smtClean="0">
+              <a:t>http://resume.yangmaoxin.cn</a:t>
+            </a:r>
+            <a:endParaRPr lang="en-US" altLang="zh-CN" sz="800" dirty="0">
               <a:latin typeface="微软雅黑" panose="020B0503020204020204" pitchFamily="34" charset="-122"/>
               <a:ea typeface="微软雅黑" panose="020B0503020204020204" pitchFamily="34" charset="-122"/>
             </a:endParaRPr>
@@ -5056,14 +5018,7 @@
                 <a:latin typeface="微软雅黑" panose="020B0503020204020204" pitchFamily="34" charset="-122"/>
                 <a:ea typeface="微软雅黑" panose="020B0503020204020204" pitchFamily="34" charset="-122"/>
               </a:rPr>
-              <a:t>负责页面的布局和数据渲染，并且完成后端</a:t>
-            </a:r>
-            <a:r>
-              <a:rPr lang="zh-CN" altLang="en-US" sz="900" dirty="0">
-                <a:latin typeface="微软雅黑" panose="020B0503020204020204" pitchFamily="34" charset="-122"/>
-                <a:ea typeface="微软雅黑" panose="020B0503020204020204" pitchFamily="34" charset="-122"/>
-              </a:rPr>
-              <a:t>页面的嵌套</a:t>
+              <a:t>负责页面的布局和数据渲染，并且完成后端页面的嵌套</a:t>
             </a:r>
             <a:endParaRPr lang="zh-CN" altLang="en-US" sz="900" dirty="0">
               <a:latin typeface="微软雅黑" panose="020B0503020204020204" pitchFamily="34" charset="-122"/>
@@ -5327,14 +5282,7 @@
                   <a:latin typeface="微软雅黑" panose="020B0503020204020204" pitchFamily="34" charset="-122"/>
                   <a:ea typeface="微软雅黑" panose="020B0503020204020204" pitchFamily="34" charset="-122"/>
                 </a:rPr>
-                <a:t>购物</a:t>
-              </a:r>
-              <a:r>
-                <a:rPr lang="zh-CN" altLang="en-US" sz="1050" b="1" dirty="0" smtClean="0">
-                  <a:latin typeface="微软雅黑" panose="020B0503020204020204" pitchFamily="34" charset="-122"/>
-                  <a:ea typeface="微软雅黑" panose="020B0503020204020204" pitchFamily="34" charset="-122"/>
-                </a:rPr>
-                <a:t>商城网站</a:t>
+                <a:t>购物商城网站</a:t>
               </a:r>
               <a:endParaRPr lang="zh-CN" altLang="en-US" sz="1050" b="1" dirty="0" smtClean="0">
                 <a:latin typeface="微软雅黑" panose="020B0503020204020204" pitchFamily="34" charset="-122"/>

--- a/doc/resume.pptx
+++ b/doc/resume.pptx
@@ -5,10 +5,10 @@
     <p:sldMasterId id="2147483648" r:id="rId1"/>
   </p:sldMasterIdLst>
   <p:notesMasterIdLst>
-    <p:notesMasterId r:id="rId4"/>
+    <p:notesMasterId r:id="rId3"/>
   </p:notesMasterIdLst>
   <p:sldIdLst>
-    <p:sldId id="269" r:id="rId3"/>
+    <p:sldId id="269" r:id="rId2"/>
   </p:sldIdLst>
   <p:sldSz cx="6858000" cy="9906000" type="A4"/>
   <p:notesSz cx="6858000" cy="9144000"/>
@@ -107,6 +107,22 @@
       </a:defRPr>
     </a:lvl9pPr>
   </p:defaultTextStyle>
+  <p:extLst>
+    <p:ext uri="{EFAFB233-063F-42B5-8137-9DF3F51BA10A}">
+      <p15:sldGuideLst xmlns:p15="http://schemas.microsoft.com/office/powerpoint/2012/main">
+        <p15:guide id="1" orient="horz" pos="3101">
+          <p15:clr>
+            <a:srgbClr val="A4A3A4"/>
+          </p15:clr>
+        </p15:guide>
+        <p15:guide id="2" pos="188">
+          <p15:clr>
+            <a:srgbClr val="A4A3A4"/>
+          </p15:clr>
+        </p15:guide>
+      </p15:sldGuideLst>
+    </p:ext>
+  </p:extLst>
 </p:presentation>
 </file>
 
@@ -192,6 +208,7 @@
           <a:p>
             <a:fld id="{AEA2C9DF-D23B-4857-8F83-A94459C69053}" type="datetimeFigureOut">
               <a:rPr lang="zh-CN" altLang="en-US" smtClean="0"/>
+              <a:t>2018/9/17</a:t>
             </a:fld>
             <a:endParaRPr lang="zh-CN" altLang="en-US"/>
           </a:p>
@@ -255,42 +272,37 @@
           <a:p>
             <a:pPr lvl="0"/>
             <a:r>
-              <a:rPr lang="zh-CN" altLang="en-US" smtClean="0"/>
+              <a:rPr lang="zh-CN" altLang="en-US"/>
               <a:t>单击此处编辑母版文本样式</a:t>
             </a:r>
-            <a:endParaRPr lang="zh-CN" altLang="en-US" smtClean="0"/>
           </a:p>
           <a:p>
             <a:pPr lvl="1"/>
             <a:r>
-              <a:rPr lang="zh-CN" altLang="en-US" smtClean="0"/>
+              <a:rPr lang="zh-CN" altLang="en-US"/>
               <a:t>第二级</a:t>
             </a:r>
-            <a:endParaRPr lang="zh-CN" altLang="en-US" smtClean="0"/>
           </a:p>
           <a:p>
             <a:pPr lvl="2"/>
             <a:r>
-              <a:rPr lang="zh-CN" altLang="en-US" smtClean="0"/>
+              <a:rPr lang="zh-CN" altLang="en-US"/>
               <a:t>第三级</a:t>
             </a:r>
-            <a:endParaRPr lang="zh-CN" altLang="en-US" smtClean="0"/>
           </a:p>
           <a:p>
             <a:pPr lvl="3"/>
             <a:r>
-              <a:rPr lang="zh-CN" altLang="en-US" smtClean="0"/>
+              <a:rPr lang="zh-CN" altLang="en-US"/>
               <a:t>第四级</a:t>
             </a:r>
-            <a:endParaRPr lang="zh-CN" altLang="en-US" smtClean="0"/>
           </a:p>
           <a:p>
             <a:pPr lvl="4"/>
             <a:r>
-              <a:rPr lang="zh-CN" altLang="en-US" smtClean="0"/>
+              <a:rPr lang="zh-CN" altLang="en-US"/>
               <a:t>第五级</a:t>
             </a:r>
-            <a:endParaRPr lang="zh-CN" altLang="en-US"/>
           </a:p>
         </p:txBody>
       </p:sp>
@@ -354,6 +366,7 @@
           <a:p>
             <a:fld id="{6ADDF614-E52C-479C-ACD3-4F829B28B369}" type="slidenum">
               <a:rPr lang="zh-CN" altLang="en-US" smtClean="0"/>
+              <a:t>‹#›</a:t>
             </a:fld>
             <a:endParaRPr lang="zh-CN" altLang="en-US"/>
           </a:p>
@@ -522,6 +535,7 @@
           <a:p>
             <a:fld id="{6ADDF614-E52C-479C-ACD3-4F829B28B369}" type="slidenum">
               <a:rPr lang="zh-CN" altLang="en-US" smtClean="0"/>
+              <a:t>1</a:t>
             </a:fld>
             <a:endParaRPr lang="zh-CN" altLang="en-US"/>
           </a:p>
@@ -577,7 +591,7 @@
           </a:lstStyle>
           <a:p>
             <a:r>
-              <a:rPr lang="zh-CN" altLang="en-US" smtClean="0"/>
+              <a:rPr lang="zh-CN" altLang="en-US"/>
               <a:t>单击此处编辑母版标题样式</a:t>
             </a:r>
             <a:endParaRPr lang="en-US" dirty="0"/>
@@ -642,7 +656,7 @@
           </a:lstStyle>
           <a:p>
             <a:r>
-              <a:rPr lang="zh-CN" altLang="en-US" smtClean="0"/>
+              <a:rPr lang="zh-CN" altLang="en-US"/>
               <a:t>单击此处编辑母版副标题样式</a:t>
             </a:r>
             <a:endParaRPr lang="en-US" dirty="0"/>
@@ -666,6 +680,7 @@
           <a:p>
             <a:fld id="{6A4926B6-441D-4BA1-AD68-6F10F35F7AC9}" type="datetimeFigureOut">
               <a:rPr lang="zh-CN" altLang="en-US" smtClean="0"/>
+              <a:t>2018/9/17</a:t>
             </a:fld>
             <a:endParaRPr lang="zh-CN" altLang="en-US"/>
           </a:p>
@@ -707,6 +722,7 @@
           <a:p>
             <a:fld id="{14DC8C72-958B-48E0-B6FC-451CF032C8E6}" type="slidenum">
               <a:rPr lang="zh-CN" altLang="en-US" smtClean="0"/>
+              <a:t>‹#›</a:t>
             </a:fld>
             <a:endParaRPr lang="zh-CN" altLang="en-US"/>
           </a:p>
@@ -753,7 +769,7 @@
           <a:lstStyle/>
           <a:p>
             <a:r>
-              <a:rPr lang="zh-CN" altLang="en-US" smtClean="0"/>
+              <a:rPr lang="zh-CN" altLang="en-US"/>
               <a:t>单击此处编辑母版标题样式</a:t>
             </a:r>
             <a:endParaRPr lang="en-US" dirty="0"/>
@@ -777,39 +793,35 @@
           <a:p>
             <a:pPr lvl="0"/>
             <a:r>
-              <a:rPr lang="zh-CN" altLang="en-US" smtClean="0"/>
+              <a:rPr lang="zh-CN" altLang="en-US"/>
               <a:t>单击此处编辑母版文本样式</a:t>
             </a:r>
-            <a:endParaRPr lang="zh-CN" altLang="en-US" smtClean="0"/>
           </a:p>
           <a:p>
             <a:pPr lvl="1"/>
             <a:r>
-              <a:rPr lang="zh-CN" altLang="en-US" smtClean="0"/>
+              <a:rPr lang="zh-CN" altLang="en-US"/>
               <a:t>第二级</a:t>
             </a:r>
-            <a:endParaRPr lang="zh-CN" altLang="en-US" smtClean="0"/>
           </a:p>
           <a:p>
             <a:pPr lvl="2"/>
             <a:r>
-              <a:rPr lang="zh-CN" altLang="en-US" smtClean="0"/>
+              <a:rPr lang="zh-CN" altLang="en-US"/>
               <a:t>第三级</a:t>
             </a:r>
-            <a:endParaRPr lang="zh-CN" altLang="en-US" smtClean="0"/>
           </a:p>
           <a:p>
             <a:pPr lvl="3"/>
             <a:r>
-              <a:rPr lang="zh-CN" altLang="en-US" smtClean="0"/>
+              <a:rPr lang="zh-CN" altLang="en-US"/>
               <a:t>第四级</a:t>
             </a:r>
-            <a:endParaRPr lang="zh-CN" altLang="en-US" smtClean="0"/>
           </a:p>
           <a:p>
             <a:pPr lvl="4"/>
             <a:r>
-              <a:rPr lang="zh-CN" altLang="en-US" smtClean="0"/>
+              <a:rPr lang="zh-CN" altLang="en-US"/>
               <a:t>第五级</a:t>
             </a:r>
             <a:endParaRPr lang="en-US" dirty="0"/>
@@ -833,6 +845,7 @@
           <a:p>
             <a:fld id="{6A4926B6-441D-4BA1-AD68-6F10F35F7AC9}" type="datetimeFigureOut">
               <a:rPr lang="zh-CN" altLang="en-US" smtClean="0"/>
+              <a:t>2018/9/17</a:t>
             </a:fld>
             <a:endParaRPr lang="zh-CN" altLang="en-US"/>
           </a:p>
@@ -874,6 +887,7 @@
           <a:p>
             <a:fld id="{14DC8C72-958B-48E0-B6FC-451CF032C8E6}" type="slidenum">
               <a:rPr lang="zh-CN" altLang="en-US" smtClean="0"/>
+              <a:t>‹#›</a:t>
             </a:fld>
             <a:endParaRPr lang="zh-CN" altLang="en-US"/>
           </a:p>
@@ -925,7 +939,7 @@
           <a:lstStyle/>
           <a:p>
             <a:r>
-              <a:rPr lang="zh-CN" altLang="en-US" smtClean="0"/>
+              <a:rPr lang="zh-CN" altLang="en-US"/>
               <a:t>单击此处编辑母版标题样式</a:t>
             </a:r>
             <a:endParaRPr lang="en-US" dirty="0"/>
@@ -954,39 +968,35 @@
           <a:p>
             <a:pPr lvl="0"/>
             <a:r>
-              <a:rPr lang="zh-CN" altLang="en-US" smtClean="0"/>
+              <a:rPr lang="zh-CN" altLang="en-US"/>
               <a:t>单击此处编辑母版文本样式</a:t>
             </a:r>
-            <a:endParaRPr lang="zh-CN" altLang="en-US" smtClean="0"/>
           </a:p>
           <a:p>
             <a:pPr lvl="1"/>
             <a:r>
-              <a:rPr lang="zh-CN" altLang="en-US" smtClean="0"/>
+              <a:rPr lang="zh-CN" altLang="en-US"/>
               <a:t>第二级</a:t>
             </a:r>
-            <a:endParaRPr lang="zh-CN" altLang="en-US" smtClean="0"/>
           </a:p>
           <a:p>
             <a:pPr lvl="2"/>
             <a:r>
-              <a:rPr lang="zh-CN" altLang="en-US" smtClean="0"/>
+              <a:rPr lang="zh-CN" altLang="en-US"/>
               <a:t>第三级</a:t>
             </a:r>
-            <a:endParaRPr lang="zh-CN" altLang="en-US" smtClean="0"/>
           </a:p>
           <a:p>
             <a:pPr lvl="3"/>
             <a:r>
-              <a:rPr lang="zh-CN" altLang="en-US" smtClean="0"/>
+              <a:rPr lang="zh-CN" altLang="en-US"/>
               <a:t>第四级</a:t>
             </a:r>
-            <a:endParaRPr lang="zh-CN" altLang="en-US" smtClean="0"/>
           </a:p>
           <a:p>
             <a:pPr lvl="4"/>
             <a:r>
-              <a:rPr lang="zh-CN" altLang="en-US" smtClean="0"/>
+              <a:rPr lang="zh-CN" altLang="en-US"/>
               <a:t>第五级</a:t>
             </a:r>
             <a:endParaRPr lang="en-US" dirty="0"/>
@@ -1010,6 +1020,7 @@
           <a:p>
             <a:fld id="{6A4926B6-441D-4BA1-AD68-6F10F35F7AC9}" type="datetimeFigureOut">
               <a:rPr lang="zh-CN" altLang="en-US" smtClean="0"/>
+              <a:t>2018/9/17</a:t>
             </a:fld>
             <a:endParaRPr lang="zh-CN" altLang="en-US"/>
           </a:p>
@@ -1051,6 +1062,7 @@
           <a:p>
             <a:fld id="{14DC8C72-958B-48E0-B6FC-451CF032C8E6}" type="slidenum">
               <a:rPr lang="zh-CN" altLang="en-US" smtClean="0"/>
+              <a:t>‹#›</a:t>
             </a:fld>
             <a:endParaRPr lang="zh-CN" altLang="en-US"/>
           </a:p>
@@ -1097,7 +1109,7 @@
           <a:lstStyle/>
           <a:p>
             <a:r>
-              <a:rPr lang="zh-CN" altLang="en-US" smtClean="0"/>
+              <a:rPr lang="zh-CN" altLang="en-US"/>
               <a:t>单击此处编辑母版标题样式</a:t>
             </a:r>
             <a:endParaRPr lang="en-US" dirty="0"/>
@@ -1121,39 +1133,35 @@
           <a:p>
             <a:pPr lvl="0"/>
             <a:r>
-              <a:rPr lang="zh-CN" altLang="en-US" smtClean="0"/>
+              <a:rPr lang="zh-CN" altLang="en-US"/>
               <a:t>单击此处编辑母版文本样式</a:t>
             </a:r>
-            <a:endParaRPr lang="zh-CN" altLang="en-US" smtClean="0"/>
           </a:p>
           <a:p>
             <a:pPr lvl="1"/>
             <a:r>
-              <a:rPr lang="zh-CN" altLang="en-US" smtClean="0"/>
+              <a:rPr lang="zh-CN" altLang="en-US"/>
               <a:t>第二级</a:t>
             </a:r>
-            <a:endParaRPr lang="zh-CN" altLang="en-US" smtClean="0"/>
           </a:p>
           <a:p>
             <a:pPr lvl="2"/>
             <a:r>
-              <a:rPr lang="zh-CN" altLang="en-US" smtClean="0"/>
+              <a:rPr lang="zh-CN" altLang="en-US"/>
               <a:t>第三级</a:t>
             </a:r>
-            <a:endParaRPr lang="zh-CN" altLang="en-US" smtClean="0"/>
           </a:p>
           <a:p>
             <a:pPr lvl="3"/>
             <a:r>
-              <a:rPr lang="zh-CN" altLang="en-US" smtClean="0"/>
+              <a:rPr lang="zh-CN" altLang="en-US"/>
               <a:t>第四级</a:t>
             </a:r>
-            <a:endParaRPr lang="zh-CN" altLang="en-US" smtClean="0"/>
           </a:p>
           <a:p>
             <a:pPr lvl="4"/>
             <a:r>
-              <a:rPr lang="zh-CN" altLang="en-US" smtClean="0"/>
+              <a:rPr lang="zh-CN" altLang="en-US"/>
               <a:t>第五级</a:t>
             </a:r>
             <a:endParaRPr lang="en-US" dirty="0"/>
@@ -1177,6 +1185,7 @@
           <a:p>
             <a:fld id="{6A4926B6-441D-4BA1-AD68-6F10F35F7AC9}" type="datetimeFigureOut">
               <a:rPr lang="zh-CN" altLang="en-US" smtClean="0"/>
+              <a:t>2018/9/17</a:t>
             </a:fld>
             <a:endParaRPr lang="zh-CN" altLang="en-US"/>
           </a:p>
@@ -1218,6 +1227,7 @@
           <a:p>
             <a:fld id="{14DC8C72-958B-48E0-B6FC-451CF032C8E6}" type="slidenum">
               <a:rPr lang="zh-CN" altLang="en-US" smtClean="0"/>
+              <a:t>‹#›</a:t>
             </a:fld>
             <a:endParaRPr lang="zh-CN" altLang="en-US"/>
           </a:p>
@@ -1273,7 +1283,7 @@
           </a:lstStyle>
           <a:p>
             <a:r>
-              <a:rPr lang="zh-CN" altLang="en-US" smtClean="0"/>
+              <a:rPr lang="zh-CN" altLang="en-US"/>
               <a:t>单击此处编辑母版标题样式</a:t>
             </a:r>
             <a:endParaRPr lang="en-US" dirty="0"/>
@@ -1391,10 +1401,9 @@
           <a:p>
             <a:pPr lvl="0"/>
             <a:r>
-              <a:rPr lang="zh-CN" altLang="en-US" smtClean="0"/>
+              <a:rPr lang="zh-CN" altLang="en-US"/>
               <a:t>单击此处编辑母版文本样式</a:t>
             </a:r>
-            <a:endParaRPr lang="zh-CN" altLang="en-US" smtClean="0"/>
           </a:p>
         </p:txBody>
       </p:sp>
@@ -1415,6 +1424,7 @@
           <a:p>
             <a:fld id="{6A4926B6-441D-4BA1-AD68-6F10F35F7AC9}" type="datetimeFigureOut">
               <a:rPr lang="zh-CN" altLang="en-US" smtClean="0"/>
+              <a:t>2018/9/17</a:t>
             </a:fld>
             <a:endParaRPr lang="zh-CN" altLang="en-US"/>
           </a:p>
@@ -1456,6 +1466,7 @@
           <a:p>
             <a:fld id="{14DC8C72-958B-48E0-B6FC-451CF032C8E6}" type="slidenum">
               <a:rPr lang="zh-CN" altLang="en-US" smtClean="0"/>
+              <a:t>‹#›</a:t>
             </a:fld>
             <a:endParaRPr lang="zh-CN" altLang="en-US"/>
           </a:p>
@@ -1502,7 +1513,7 @@
           <a:lstStyle/>
           <a:p>
             <a:r>
-              <a:rPr lang="zh-CN" altLang="en-US" smtClean="0"/>
+              <a:rPr lang="zh-CN" altLang="en-US"/>
               <a:t>单击此处编辑母版标题样式</a:t>
             </a:r>
             <a:endParaRPr lang="en-US" dirty="0"/>
@@ -1531,39 +1542,35 @@
           <a:p>
             <a:pPr lvl="0"/>
             <a:r>
-              <a:rPr lang="zh-CN" altLang="en-US" smtClean="0"/>
+              <a:rPr lang="zh-CN" altLang="en-US"/>
               <a:t>单击此处编辑母版文本样式</a:t>
             </a:r>
-            <a:endParaRPr lang="zh-CN" altLang="en-US" smtClean="0"/>
           </a:p>
           <a:p>
             <a:pPr lvl="1"/>
             <a:r>
-              <a:rPr lang="zh-CN" altLang="en-US" smtClean="0"/>
+              <a:rPr lang="zh-CN" altLang="en-US"/>
               <a:t>第二级</a:t>
             </a:r>
-            <a:endParaRPr lang="zh-CN" altLang="en-US" smtClean="0"/>
           </a:p>
           <a:p>
             <a:pPr lvl="2"/>
             <a:r>
-              <a:rPr lang="zh-CN" altLang="en-US" smtClean="0"/>
+              <a:rPr lang="zh-CN" altLang="en-US"/>
               <a:t>第三级</a:t>
             </a:r>
-            <a:endParaRPr lang="zh-CN" altLang="en-US" smtClean="0"/>
           </a:p>
           <a:p>
             <a:pPr lvl="3"/>
             <a:r>
-              <a:rPr lang="zh-CN" altLang="en-US" smtClean="0"/>
+              <a:rPr lang="zh-CN" altLang="en-US"/>
               <a:t>第四级</a:t>
             </a:r>
-            <a:endParaRPr lang="zh-CN" altLang="en-US" smtClean="0"/>
           </a:p>
           <a:p>
             <a:pPr lvl="4"/>
             <a:r>
-              <a:rPr lang="zh-CN" altLang="en-US" smtClean="0"/>
+              <a:rPr lang="zh-CN" altLang="en-US"/>
               <a:t>第五级</a:t>
             </a:r>
             <a:endParaRPr lang="en-US" dirty="0"/>
@@ -1592,39 +1599,35 @@
           <a:p>
             <a:pPr lvl="0"/>
             <a:r>
-              <a:rPr lang="zh-CN" altLang="en-US" smtClean="0"/>
+              <a:rPr lang="zh-CN" altLang="en-US"/>
               <a:t>单击此处编辑母版文本样式</a:t>
             </a:r>
-            <a:endParaRPr lang="zh-CN" altLang="en-US" smtClean="0"/>
           </a:p>
           <a:p>
             <a:pPr lvl="1"/>
             <a:r>
-              <a:rPr lang="zh-CN" altLang="en-US" smtClean="0"/>
+              <a:rPr lang="zh-CN" altLang="en-US"/>
               <a:t>第二级</a:t>
             </a:r>
-            <a:endParaRPr lang="zh-CN" altLang="en-US" smtClean="0"/>
           </a:p>
           <a:p>
             <a:pPr lvl="2"/>
             <a:r>
-              <a:rPr lang="zh-CN" altLang="en-US" smtClean="0"/>
+              <a:rPr lang="zh-CN" altLang="en-US"/>
               <a:t>第三级</a:t>
             </a:r>
-            <a:endParaRPr lang="zh-CN" altLang="en-US" smtClean="0"/>
           </a:p>
           <a:p>
             <a:pPr lvl="3"/>
             <a:r>
-              <a:rPr lang="zh-CN" altLang="en-US" smtClean="0"/>
+              <a:rPr lang="zh-CN" altLang="en-US"/>
               <a:t>第四级</a:t>
             </a:r>
-            <a:endParaRPr lang="zh-CN" altLang="en-US" smtClean="0"/>
           </a:p>
           <a:p>
             <a:pPr lvl="4"/>
             <a:r>
-              <a:rPr lang="zh-CN" altLang="en-US" smtClean="0"/>
+              <a:rPr lang="zh-CN" altLang="en-US"/>
               <a:t>第五级</a:t>
             </a:r>
             <a:endParaRPr lang="en-US" dirty="0"/>
@@ -1648,6 +1651,7 @@
           <a:p>
             <a:fld id="{6A4926B6-441D-4BA1-AD68-6F10F35F7AC9}" type="datetimeFigureOut">
               <a:rPr lang="zh-CN" altLang="en-US" smtClean="0"/>
+              <a:t>2018/9/17</a:t>
             </a:fld>
             <a:endParaRPr lang="zh-CN" altLang="en-US"/>
           </a:p>
@@ -1689,6 +1693,7 @@
           <a:p>
             <a:fld id="{14DC8C72-958B-48E0-B6FC-451CF032C8E6}" type="slidenum">
               <a:rPr lang="zh-CN" altLang="en-US" smtClean="0"/>
+              <a:t>‹#›</a:t>
             </a:fld>
             <a:endParaRPr lang="zh-CN" altLang="en-US"/>
           </a:p>
@@ -1740,7 +1745,7 @@
           <a:lstStyle/>
           <a:p>
             <a:r>
-              <a:rPr lang="zh-CN" altLang="en-US" smtClean="0"/>
+              <a:rPr lang="zh-CN" altLang="en-US"/>
               <a:t>单击此处编辑母版标题样式</a:t>
             </a:r>
             <a:endParaRPr lang="en-US" dirty="0"/>
@@ -1806,10 +1811,9 @@
           <a:p>
             <a:pPr lvl="0"/>
             <a:r>
-              <a:rPr lang="zh-CN" altLang="en-US" smtClean="0"/>
+              <a:rPr lang="zh-CN" altLang="en-US"/>
               <a:t>单击此处编辑母版文本样式</a:t>
             </a:r>
-            <a:endParaRPr lang="zh-CN" altLang="en-US" smtClean="0"/>
           </a:p>
         </p:txBody>
       </p:sp>
@@ -1835,39 +1839,35 @@
           <a:p>
             <a:pPr lvl="0"/>
             <a:r>
-              <a:rPr lang="zh-CN" altLang="en-US" smtClean="0"/>
+              <a:rPr lang="zh-CN" altLang="en-US"/>
               <a:t>单击此处编辑母版文本样式</a:t>
             </a:r>
-            <a:endParaRPr lang="zh-CN" altLang="en-US" smtClean="0"/>
           </a:p>
           <a:p>
             <a:pPr lvl="1"/>
             <a:r>
-              <a:rPr lang="zh-CN" altLang="en-US" smtClean="0"/>
+              <a:rPr lang="zh-CN" altLang="en-US"/>
               <a:t>第二级</a:t>
             </a:r>
-            <a:endParaRPr lang="zh-CN" altLang="en-US" smtClean="0"/>
           </a:p>
           <a:p>
             <a:pPr lvl="2"/>
             <a:r>
-              <a:rPr lang="zh-CN" altLang="en-US" smtClean="0"/>
+              <a:rPr lang="zh-CN" altLang="en-US"/>
               <a:t>第三级</a:t>
             </a:r>
-            <a:endParaRPr lang="zh-CN" altLang="en-US" smtClean="0"/>
           </a:p>
           <a:p>
             <a:pPr lvl="3"/>
             <a:r>
-              <a:rPr lang="zh-CN" altLang="en-US" smtClean="0"/>
+              <a:rPr lang="zh-CN" altLang="en-US"/>
               <a:t>第四级</a:t>
             </a:r>
-            <a:endParaRPr lang="zh-CN" altLang="en-US" smtClean="0"/>
           </a:p>
           <a:p>
             <a:pPr lvl="4"/>
             <a:r>
-              <a:rPr lang="zh-CN" altLang="en-US" smtClean="0"/>
+              <a:rPr lang="zh-CN" altLang="en-US"/>
               <a:t>第五级</a:t>
             </a:r>
             <a:endParaRPr lang="en-US" dirty="0"/>
@@ -1933,10 +1933,9 @@
           <a:p>
             <a:pPr lvl="0"/>
             <a:r>
-              <a:rPr lang="zh-CN" altLang="en-US" smtClean="0"/>
+              <a:rPr lang="zh-CN" altLang="en-US"/>
               <a:t>单击此处编辑母版文本样式</a:t>
             </a:r>
-            <a:endParaRPr lang="zh-CN" altLang="en-US" smtClean="0"/>
           </a:p>
         </p:txBody>
       </p:sp>
@@ -1962,39 +1961,35 @@
           <a:p>
             <a:pPr lvl="0"/>
             <a:r>
-              <a:rPr lang="zh-CN" altLang="en-US" smtClean="0"/>
+              <a:rPr lang="zh-CN" altLang="en-US"/>
               <a:t>单击此处编辑母版文本样式</a:t>
             </a:r>
-            <a:endParaRPr lang="zh-CN" altLang="en-US" smtClean="0"/>
           </a:p>
           <a:p>
             <a:pPr lvl="1"/>
             <a:r>
-              <a:rPr lang="zh-CN" altLang="en-US" smtClean="0"/>
+              <a:rPr lang="zh-CN" altLang="en-US"/>
               <a:t>第二级</a:t>
             </a:r>
-            <a:endParaRPr lang="zh-CN" altLang="en-US" smtClean="0"/>
           </a:p>
           <a:p>
             <a:pPr lvl="2"/>
             <a:r>
-              <a:rPr lang="zh-CN" altLang="en-US" smtClean="0"/>
+              <a:rPr lang="zh-CN" altLang="en-US"/>
               <a:t>第三级</a:t>
             </a:r>
-            <a:endParaRPr lang="zh-CN" altLang="en-US" smtClean="0"/>
           </a:p>
           <a:p>
             <a:pPr lvl="3"/>
             <a:r>
-              <a:rPr lang="zh-CN" altLang="en-US" smtClean="0"/>
+              <a:rPr lang="zh-CN" altLang="en-US"/>
               <a:t>第四级</a:t>
             </a:r>
-            <a:endParaRPr lang="zh-CN" altLang="en-US" smtClean="0"/>
           </a:p>
           <a:p>
             <a:pPr lvl="4"/>
             <a:r>
-              <a:rPr lang="zh-CN" altLang="en-US" smtClean="0"/>
+              <a:rPr lang="zh-CN" altLang="en-US"/>
               <a:t>第五级</a:t>
             </a:r>
             <a:endParaRPr lang="en-US" dirty="0"/>
@@ -2018,6 +2013,7 @@
           <a:p>
             <a:fld id="{6A4926B6-441D-4BA1-AD68-6F10F35F7AC9}" type="datetimeFigureOut">
               <a:rPr lang="zh-CN" altLang="en-US" smtClean="0"/>
+              <a:t>2018/9/17</a:t>
             </a:fld>
             <a:endParaRPr lang="zh-CN" altLang="en-US"/>
           </a:p>
@@ -2059,6 +2055,7 @@
           <a:p>
             <a:fld id="{14DC8C72-958B-48E0-B6FC-451CF032C8E6}" type="slidenum">
               <a:rPr lang="zh-CN" altLang="en-US" smtClean="0"/>
+              <a:t>‹#›</a:t>
             </a:fld>
             <a:endParaRPr lang="zh-CN" altLang="en-US"/>
           </a:p>
@@ -2105,7 +2102,7 @@
           <a:lstStyle/>
           <a:p>
             <a:r>
-              <a:rPr lang="zh-CN" altLang="en-US" smtClean="0"/>
+              <a:rPr lang="zh-CN" altLang="en-US"/>
               <a:t>单击此处编辑母版标题样式</a:t>
             </a:r>
             <a:endParaRPr lang="en-US" dirty="0"/>
@@ -2129,6 +2126,7 @@
           <a:p>
             <a:fld id="{6A4926B6-441D-4BA1-AD68-6F10F35F7AC9}" type="datetimeFigureOut">
               <a:rPr lang="zh-CN" altLang="en-US" smtClean="0"/>
+              <a:t>2018/9/17</a:t>
             </a:fld>
             <a:endParaRPr lang="zh-CN" altLang="en-US"/>
           </a:p>
@@ -2170,6 +2168,7 @@
           <a:p>
             <a:fld id="{14DC8C72-958B-48E0-B6FC-451CF032C8E6}" type="slidenum">
               <a:rPr lang="zh-CN" altLang="en-US" smtClean="0"/>
+              <a:t>‹#›</a:t>
             </a:fld>
             <a:endParaRPr lang="zh-CN" altLang="en-US"/>
           </a:p>
@@ -2217,6 +2216,7 @@
           <a:p>
             <a:fld id="{6A4926B6-441D-4BA1-AD68-6F10F35F7AC9}" type="datetimeFigureOut">
               <a:rPr lang="zh-CN" altLang="en-US" smtClean="0"/>
+              <a:t>2018/9/17</a:t>
             </a:fld>
             <a:endParaRPr lang="zh-CN" altLang="en-US"/>
           </a:p>
@@ -2258,6 +2258,7 @@
           <a:p>
             <a:fld id="{14DC8C72-958B-48E0-B6FC-451CF032C8E6}" type="slidenum">
               <a:rPr lang="zh-CN" altLang="en-US" smtClean="0"/>
+              <a:t>‹#›</a:t>
             </a:fld>
             <a:endParaRPr lang="zh-CN" altLang="en-US"/>
           </a:p>
@@ -2268,13 +2269,6 @@
   <p:clrMapOvr>
     <a:masterClrMapping/>
   </p:clrMapOvr>
-  <p:timing>
-    <p:tnLst>
-      <p:par>
-        <p:cTn id="1" dur="indefinite" restart="never" nodeType="tmRoot"/>
-      </p:par>
-    </p:tnLst>
-  </p:timing>
 </p:sldLayout>
 </file>
 
@@ -2320,7 +2314,7 @@
           </a:lstStyle>
           <a:p>
             <a:r>
-              <a:rPr lang="zh-CN" altLang="en-US" smtClean="0"/>
+              <a:rPr lang="zh-CN" altLang="en-US"/>
               <a:t>单击此处编辑母版标题样式</a:t>
             </a:r>
             <a:endParaRPr lang="en-US" dirty="0"/>
@@ -2377,39 +2371,35 @@
           <a:p>
             <a:pPr lvl="0"/>
             <a:r>
-              <a:rPr lang="zh-CN" altLang="en-US" smtClean="0"/>
+              <a:rPr lang="zh-CN" altLang="en-US"/>
               <a:t>单击此处编辑母版文本样式</a:t>
             </a:r>
-            <a:endParaRPr lang="zh-CN" altLang="en-US" smtClean="0"/>
           </a:p>
           <a:p>
             <a:pPr lvl="1"/>
             <a:r>
-              <a:rPr lang="zh-CN" altLang="en-US" smtClean="0"/>
+              <a:rPr lang="zh-CN" altLang="en-US"/>
               <a:t>第二级</a:t>
             </a:r>
-            <a:endParaRPr lang="zh-CN" altLang="en-US" smtClean="0"/>
           </a:p>
           <a:p>
             <a:pPr lvl="2"/>
             <a:r>
-              <a:rPr lang="zh-CN" altLang="en-US" smtClean="0"/>
+              <a:rPr lang="zh-CN" altLang="en-US"/>
               <a:t>第三级</a:t>
             </a:r>
-            <a:endParaRPr lang="zh-CN" altLang="en-US" smtClean="0"/>
           </a:p>
           <a:p>
             <a:pPr lvl="3"/>
             <a:r>
-              <a:rPr lang="zh-CN" altLang="en-US" smtClean="0"/>
+              <a:rPr lang="zh-CN" altLang="en-US"/>
               <a:t>第四级</a:t>
             </a:r>
-            <a:endParaRPr lang="zh-CN" altLang="en-US" smtClean="0"/>
           </a:p>
           <a:p>
             <a:pPr lvl="4"/>
             <a:r>
-              <a:rPr lang="zh-CN" altLang="en-US" smtClean="0"/>
+              <a:rPr lang="zh-CN" altLang="en-US"/>
               <a:t>第五级</a:t>
             </a:r>
             <a:endParaRPr lang="en-US" dirty="0"/>
@@ -2475,10 +2465,9 @@
           <a:p>
             <a:pPr lvl="0"/>
             <a:r>
-              <a:rPr lang="zh-CN" altLang="en-US" smtClean="0"/>
+              <a:rPr lang="zh-CN" altLang="en-US"/>
               <a:t>单击此处编辑母版文本样式</a:t>
             </a:r>
-            <a:endParaRPr lang="zh-CN" altLang="en-US" smtClean="0"/>
           </a:p>
         </p:txBody>
       </p:sp>
@@ -2499,6 +2488,7 @@
           <a:p>
             <a:fld id="{6A4926B6-441D-4BA1-AD68-6F10F35F7AC9}" type="datetimeFigureOut">
               <a:rPr lang="zh-CN" altLang="en-US" smtClean="0"/>
+              <a:t>2018/9/17</a:t>
             </a:fld>
             <a:endParaRPr lang="zh-CN" altLang="en-US"/>
           </a:p>
@@ -2540,6 +2530,7 @@
           <a:p>
             <a:fld id="{14DC8C72-958B-48E0-B6FC-451CF032C8E6}" type="slidenum">
               <a:rPr lang="zh-CN" altLang="en-US" smtClean="0"/>
+              <a:t>‹#›</a:t>
             </a:fld>
             <a:endParaRPr lang="zh-CN" altLang="en-US"/>
           </a:p>
@@ -2595,7 +2586,7 @@
           </a:lstStyle>
           <a:p>
             <a:r>
-              <a:rPr lang="zh-CN" altLang="en-US" smtClean="0"/>
+              <a:rPr lang="zh-CN" altLang="en-US"/>
               <a:t>单击此处编辑母版标题样式</a:t>
             </a:r>
             <a:endParaRPr lang="en-US" dirty="0"/>
@@ -2660,7 +2651,7 @@
           </a:lstStyle>
           <a:p>
             <a:r>
-              <a:rPr lang="zh-CN" altLang="en-US" smtClean="0"/>
+              <a:rPr lang="zh-CN" altLang="en-US"/>
               <a:t>单击图标添加图片</a:t>
             </a:r>
             <a:endParaRPr lang="en-US" dirty="0"/>
@@ -2726,10 +2717,9 @@
           <a:p>
             <a:pPr lvl="0"/>
             <a:r>
-              <a:rPr lang="zh-CN" altLang="en-US" smtClean="0"/>
+              <a:rPr lang="zh-CN" altLang="en-US"/>
               <a:t>单击此处编辑母版文本样式</a:t>
             </a:r>
-            <a:endParaRPr lang="zh-CN" altLang="en-US" smtClean="0"/>
           </a:p>
         </p:txBody>
       </p:sp>
@@ -2750,6 +2740,7 @@
           <a:p>
             <a:fld id="{6A4926B6-441D-4BA1-AD68-6F10F35F7AC9}" type="datetimeFigureOut">
               <a:rPr lang="zh-CN" altLang="en-US" smtClean="0"/>
+              <a:t>2018/9/17</a:t>
             </a:fld>
             <a:endParaRPr lang="zh-CN" altLang="en-US"/>
           </a:p>
@@ -2791,6 +2782,7 @@
           <a:p>
             <a:fld id="{14DC8C72-958B-48E0-B6FC-451CF032C8E6}" type="slidenum">
               <a:rPr lang="zh-CN" altLang="en-US" smtClean="0"/>
+              <a:t>‹#›</a:t>
             </a:fld>
             <a:endParaRPr lang="zh-CN" altLang="en-US"/>
           </a:p>
@@ -2852,7 +2844,7 @@
           <a:lstStyle/>
           <a:p>
             <a:r>
-              <a:rPr lang="zh-CN" altLang="en-US" smtClean="0"/>
+              <a:rPr lang="zh-CN" altLang="en-US"/>
               <a:t>单击此处编辑母版标题样式</a:t>
             </a:r>
             <a:endParaRPr lang="en-US" dirty="0"/>
@@ -2886,39 +2878,35 @@
           <a:p>
             <a:pPr lvl="0"/>
             <a:r>
-              <a:rPr lang="zh-CN" altLang="en-US" smtClean="0"/>
+              <a:rPr lang="zh-CN" altLang="en-US"/>
               <a:t>单击此处编辑母版文本样式</a:t>
             </a:r>
-            <a:endParaRPr lang="zh-CN" altLang="en-US" smtClean="0"/>
           </a:p>
           <a:p>
             <a:pPr lvl="1"/>
             <a:r>
-              <a:rPr lang="zh-CN" altLang="en-US" smtClean="0"/>
+              <a:rPr lang="zh-CN" altLang="en-US"/>
               <a:t>第二级</a:t>
             </a:r>
-            <a:endParaRPr lang="zh-CN" altLang="en-US" smtClean="0"/>
           </a:p>
           <a:p>
             <a:pPr lvl="2"/>
             <a:r>
-              <a:rPr lang="zh-CN" altLang="en-US" smtClean="0"/>
+              <a:rPr lang="zh-CN" altLang="en-US"/>
               <a:t>第三级</a:t>
             </a:r>
-            <a:endParaRPr lang="zh-CN" altLang="en-US" smtClean="0"/>
           </a:p>
           <a:p>
             <a:pPr lvl="3"/>
             <a:r>
-              <a:rPr lang="zh-CN" altLang="en-US" smtClean="0"/>
+              <a:rPr lang="zh-CN" altLang="en-US"/>
               <a:t>第四级</a:t>
             </a:r>
-            <a:endParaRPr lang="zh-CN" altLang="en-US" smtClean="0"/>
           </a:p>
           <a:p>
             <a:pPr lvl="4"/>
             <a:r>
-              <a:rPr lang="zh-CN" altLang="en-US" smtClean="0"/>
+              <a:rPr lang="zh-CN" altLang="en-US"/>
               <a:t>第五级</a:t>
             </a:r>
             <a:endParaRPr lang="en-US" dirty="0"/>
@@ -2960,6 +2948,7 @@
           <a:p>
             <a:fld id="{6A4926B6-441D-4BA1-AD68-6F10F35F7AC9}" type="datetimeFigureOut">
               <a:rPr lang="zh-CN" altLang="en-US" smtClean="0"/>
+              <a:t>2018/9/17</a:t>
             </a:fld>
             <a:endParaRPr lang="zh-CN" altLang="en-US"/>
           </a:p>
@@ -3037,6 +3026,7 @@
           <a:p>
             <a:fld id="{14DC8C72-958B-48E0-B6FC-451CF032C8E6}" type="slidenum">
               <a:rPr lang="zh-CN" altLang="en-US" smtClean="0"/>
+              <a:t>‹#›</a:t>
             </a:fld>
             <a:endParaRPr lang="zh-CN" altLang="en-US"/>
           </a:p>
@@ -3366,7 +3356,7 @@
         </p:nvSpPr>
         <p:spPr>
           <a:xfrm>
-            <a:off x="1084931" y="1866115"/>
+            <a:off x="1084931" y="1380340"/>
             <a:ext cx="1625163" cy="475615"/>
           </a:xfrm>
           <a:prstGeom prst="rect">
@@ -3408,14 +3398,7 @@
                 <a:latin typeface="微软雅黑" panose="020B0503020204020204" pitchFamily="34" charset="-122"/>
                 <a:ea typeface="微软雅黑" panose="020B0503020204020204" pitchFamily="34" charset="-122"/>
               </a:rPr>
-              <a:t>天津工业大学  </a:t>
-            </a:r>
-            <a:r>
-              <a:rPr lang="zh-CN" altLang="en-US" sz="900" dirty="0" smtClean="0">
-                <a:latin typeface="微软雅黑" panose="020B0503020204020204" pitchFamily="34" charset="-122"/>
-                <a:ea typeface="微软雅黑" panose="020B0503020204020204" pitchFamily="34" charset="-122"/>
-              </a:rPr>
-              <a:t>软件工程</a:t>
+              <a:t>天津工业大学  软件工程</a:t>
             </a:r>
             <a:endParaRPr lang="en-US" altLang="zh-CN" sz="900" dirty="0">
               <a:latin typeface="微软雅黑" panose="020B0503020204020204" pitchFamily="34" charset="-122"/>
@@ -3432,7 +3415,7 @@
         </p:nvSpPr>
         <p:spPr>
           <a:xfrm>
-            <a:off x="226179" y="499237"/>
+            <a:off x="226179" y="251587"/>
             <a:ext cx="944880" cy="398780"/>
           </a:xfrm>
           <a:prstGeom prst="rect">
@@ -3448,7 +3431,7 @@
           <a:p>
             <a:pPr algn="ctr"/>
             <a:r>
-              <a:rPr lang="zh-CN" altLang="en-US" sz="2000" b="1" dirty="0" smtClean="0">
+              <a:rPr lang="zh-CN" altLang="en-US" sz="2000" b="1" dirty="0">
                 <a:solidFill>
                   <a:srgbClr val="6679DF"/>
                 </a:solidFill>
@@ -3457,13 +3440,6 @@
               </a:rPr>
               <a:t>杨茂新</a:t>
             </a:r>
-            <a:endParaRPr lang="zh-CN" altLang="en-US" sz="2000" b="1" dirty="0" smtClean="0">
-              <a:solidFill>
-                <a:srgbClr val="6679DF"/>
-              </a:solidFill>
-              <a:latin typeface="微软雅黑" panose="020B0503020204020204" pitchFamily="34" charset="-122"/>
-              <a:ea typeface="微软雅黑" panose="020B0503020204020204" pitchFamily="34" charset="-122"/>
-            </a:endParaRPr>
           </a:p>
         </p:txBody>
       </p:sp>
@@ -3475,7 +3451,7 @@
         </p:nvSpPr>
         <p:spPr>
           <a:xfrm>
-            <a:off x="3551236" y="264670"/>
+            <a:off x="3551236" y="83695"/>
             <a:ext cx="3027639" cy="911860"/>
           </a:xfrm>
           <a:prstGeom prst="rect">
@@ -3494,30 +3470,19 @@
               </a:lnSpc>
             </a:pPr>
             <a:r>
-              <a:rPr lang="zh-CN" altLang="en-US" sz="900" dirty="0" smtClean="0">
-                <a:latin typeface="微软雅黑" panose="020B0503020204020204" pitchFamily="34" charset="-122"/>
-                <a:ea typeface="微软雅黑" panose="020B0503020204020204" pitchFamily="34" charset="-122"/>
-              </a:rPr>
-              <a:t>       电话</a:t>
-            </a:r>
-            <a:r>
               <a:rPr lang="zh-CN" altLang="en-US" sz="900" dirty="0">
                 <a:latin typeface="微软雅黑" panose="020B0503020204020204" pitchFamily="34" charset="-122"/>
                 <a:ea typeface="微软雅黑" panose="020B0503020204020204" pitchFamily="34" charset="-122"/>
               </a:rPr>
-              <a:t>：</a:t>
-            </a:r>
-            <a:r>
-              <a:rPr lang="en-US" altLang="zh-CN" sz="900" dirty="0" smtClean="0">
-                <a:latin typeface="微软雅黑" panose="020B0503020204020204" pitchFamily="34" charset="-122"/>
-                <a:ea typeface="微软雅黑" panose="020B0503020204020204" pitchFamily="34" charset="-122"/>
-              </a:rPr>
-              <a:t>150-2206-6862</a:t>
-            </a:r>
-            <a:endParaRPr lang="en-US" altLang="zh-CN" sz="900" dirty="0">
-              <a:latin typeface="微软雅黑" panose="020B0503020204020204" pitchFamily="34" charset="-122"/>
-              <a:ea typeface="微软雅黑" panose="020B0503020204020204" pitchFamily="34" charset="-122"/>
-            </a:endParaRPr>
+              <a:t>       电话：</a:t>
+            </a:r>
+            <a:r>
+              <a:rPr lang="en-US" altLang="zh-CN" sz="900" dirty="0">
+                <a:latin typeface="微软雅黑" panose="020B0503020204020204" pitchFamily="34" charset="-122"/>
+                <a:ea typeface="微软雅黑" panose="020B0503020204020204" pitchFamily="34" charset="-122"/>
+              </a:rPr>
+              <a:t>152-0220-2213</a:t>
+            </a:r>
           </a:p>
           <a:p>
             <a:pPr lvl="0">
@@ -3526,21 +3491,21 @@
               </a:lnSpc>
             </a:pPr>
             <a:r>
-              <a:rPr lang="zh-CN" altLang="en-US" sz="900" dirty="0" smtClean="0">
+              <a:rPr lang="zh-CN" altLang="en-US" sz="900" dirty="0">
                 <a:latin typeface="微软雅黑" panose="020B0503020204020204" pitchFamily="34" charset="-122"/>
                 <a:ea typeface="微软雅黑" panose="020B0503020204020204" pitchFamily="34" charset="-122"/>
               </a:rPr>
               <a:t>       邮箱：</a:t>
             </a:r>
             <a:r>
-              <a:rPr lang="en-US" altLang="zh-CN" sz="900" dirty="0" smtClean="0">
-                <a:latin typeface="微软雅黑" panose="020B0503020204020204" pitchFamily="34" charset="-122"/>
-                <a:ea typeface="微软雅黑" panose="020B0503020204020204" pitchFamily="34" charset="-122"/>
-                <a:hlinkClick r:id="rId1"/>
+              <a:rPr lang="en-US" altLang="zh-CN" sz="900" dirty="0">
+                <a:latin typeface="微软雅黑" panose="020B0503020204020204" pitchFamily="34" charset="-122"/>
+                <a:ea typeface="微软雅黑" panose="020B0503020204020204" pitchFamily="34" charset="-122"/>
+                <a:hlinkClick r:id="rId3"/>
               </a:rPr>
               <a:t>ymx0107@gmail.com</a:t>
             </a:r>
-            <a:endParaRPr lang="en-US" altLang="zh-CN" sz="900" dirty="0" smtClean="0">
+            <a:endParaRPr lang="en-US" altLang="zh-CN" sz="900" dirty="0">
               <a:latin typeface="微软雅黑" panose="020B0503020204020204" pitchFamily="34" charset="-122"/>
               <a:ea typeface="微软雅黑" panose="020B0503020204020204" pitchFamily="34" charset="-122"/>
             </a:endParaRPr>
@@ -3552,41 +3517,19 @@
               </a:lnSpc>
             </a:pPr>
             <a:r>
-              <a:rPr lang="zh-CN" altLang="en-US" sz="900" dirty="0" smtClean="0">
-                <a:latin typeface="微软雅黑" panose="020B0503020204020204" pitchFamily="34" charset="-122"/>
-                <a:ea typeface="微软雅黑" panose="020B0503020204020204" pitchFamily="34" charset="-122"/>
-              </a:rPr>
-              <a:t>个人</a:t>
-            </a:r>
-            <a:r>
               <a:rPr lang="zh-CN" altLang="en-US" sz="900" dirty="0">
                 <a:latin typeface="微软雅黑" panose="020B0503020204020204" pitchFamily="34" charset="-122"/>
                 <a:ea typeface="微软雅黑" panose="020B0503020204020204" pitchFamily="34" charset="-122"/>
               </a:rPr>
-              <a:t>主页</a:t>
-            </a:r>
-            <a:r>
-              <a:rPr lang="zh-CN" altLang="en-US" sz="900" dirty="0" smtClean="0">
-                <a:latin typeface="微软雅黑" panose="020B0503020204020204" pitchFamily="34" charset="-122"/>
-                <a:ea typeface="微软雅黑" panose="020B0503020204020204" pitchFamily="34" charset="-122"/>
-              </a:rPr>
-              <a:t>：</a:t>
-            </a:r>
-            <a:r>
-              <a:rPr lang="en-US" altLang="zh-CN" sz="900" dirty="0" smtClean="0">
-                <a:latin typeface="微软雅黑" panose="020B0503020204020204" pitchFamily="34" charset="-122"/>
-                <a:ea typeface="微软雅黑" panose="020B0503020204020204" pitchFamily="34" charset="-122"/>
-                <a:hlinkClick r:id="rId2"/>
-              </a:rPr>
-              <a:t>https://</a:t>
+              <a:t>个人主页：</a:t>
             </a:r>
             <a:r>
               <a:rPr lang="en-US" altLang="zh-CN" sz="900" dirty="0">
                 <a:latin typeface="微软雅黑" panose="020B0503020204020204" pitchFamily="34" charset="-122"/>
                 <a:ea typeface="微软雅黑" panose="020B0503020204020204" pitchFamily="34" charset="-122"/>
-                <a:hlinkClick r:id="rId2"/>
-              </a:rPr>
-              <a:t>moxinn.com/</a:t>
+                <a:hlinkClick r:id="rId4"/>
+              </a:rPr>
+              <a:t>https://moxinn.com/</a:t>
             </a:r>
             <a:r>
               <a:rPr lang="en-US" altLang="zh-CN" sz="900" dirty="0">
@@ -3595,10 +3538,6 @@
               </a:rPr>
               <a:t>  </a:t>
             </a:r>
-            <a:endParaRPr lang="en-US" altLang="zh-CN" sz="900" dirty="0">
-              <a:latin typeface="微软雅黑" panose="020B0503020204020204" pitchFamily="34" charset="-122"/>
-              <a:ea typeface="微软雅黑" panose="020B0503020204020204" pitchFamily="34" charset="-122"/>
-            </a:endParaRPr>
           </a:p>
           <a:p>
             <a:pPr>
@@ -3611,24 +3550,17 @@
                 <a:latin typeface="微软雅黑" panose="020B0503020204020204" pitchFamily="34" charset="-122"/>
                 <a:ea typeface="微软雅黑" panose="020B0503020204020204" pitchFamily="34" charset="-122"/>
               </a:rPr>
-              <a:t> </a:t>
-            </a:r>
-            <a:r>
-              <a:rPr lang="en-US" altLang="zh-CN" sz="800" dirty="0" smtClean="0">
-                <a:latin typeface="微软雅黑" panose="020B0503020204020204" pitchFamily="34" charset="-122"/>
-                <a:ea typeface="微软雅黑" panose="020B0503020204020204" pitchFamily="34" charset="-122"/>
-              </a:rPr>
-              <a:t>  </a:t>
-            </a:r>
-            <a:r>
-              <a:rPr lang="en-US" altLang="zh-CN" sz="900" dirty="0" err="1" smtClean="0">
+              <a:t>   </a:t>
+            </a:r>
+            <a:r>
+              <a:rPr lang="en-US" altLang="zh-CN" sz="900" dirty="0" err="1">
                 <a:latin typeface="微软雅黑" panose="020B0503020204020204" pitchFamily="34" charset="-122"/>
                 <a:ea typeface="微软雅黑" panose="020B0503020204020204" pitchFamily="34" charset="-122"/>
               </a:rPr>
               <a:t>Github</a:t>
             </a:r>
             <a:r>
-              <a:rPr lang="zh-CN" altLang="en-US" sz="900" dirty="0" smtClean="0">
+              <a:rPr lang="zh-CN" altLang="en-US" sz="900" dirty="0">
                 <a:latin typeface="微软雅黑" panose="020B0503020204020204" pitchFamily="34" charset="-122"/>
                 <a:ea typeface="微软雅黑" panose="020B0503020204020204" pitchFamily="34" charset="-122"/>
               </a:rPr>
@@ -3638,29 +3570,17 @@
               <a:rPr lang="en-US" altLang="zh-CN" sz="900" dirty="0">
                 <a:latin typeface="微软雅黑" panose="020B0503020204020204" pitchFamily="34" charset="-122"/>
                 <a:ea typeface="微软雅黑" panose="020B0503020204020204" pitchFamily="34" charset="-122"/>
-                <a:hlinkClick r:id="rId3"/>
-              </a:rPr>
-              <a:t>https://</a:t>
-            </a:r>
-            <a:r>
-              <a:rPr lang="en-US" altLang="zh-CN" sz="900" dirty="0" smtClean="0">
-                <a:latin typeface="微软雅黑" panose="020B0503020204020204" pitchFamily="34" charset="-122"/>
-                <a:ea typeface="微软雅黑" panose="020B0503020204020204" pitchFamily="34" charset="-122"/>
-                <a:hlinkClick r:id="rId3"/>
-              </a:rPr>
-              <a:t>github.com/yangmaoxin</a:t>
-            </a:r>
-            <a:r>
-              <a:rPr lang="en-US" altLang="zh-CN" sz="900" dirty="0" smtClean="0">
+                <a:hlinkClick r:id="rId5"/>
+              </a:rPr>
+              <a:t>https://github.com/yangmaoxin</a:t>
+            </a:r>
+            <a:r>
+              <a:rPr lang="en-US" altLang="zh-CN" sz="900" dirty="0">
                 <a:latin typeface="微软雅黑" panose="020B0503020204020204" pitchFamily="34" charset="-122"/>
                 <a:ea typeface="微软雅黑" panose="020B0503020204020204" pitchFamily="34" charset="-122"/>
               </a:rPr>
               <a:t>/</a:t>
             </a:r>
-            <a:endParaRPr lang="en-US" altLang="zh-CN" sz="900" dirty="0">
-              <a:latin typeface="微软雅黑" panose="020B0503020204020204" pitchFamily="34" charset="-122"/>
-              <a:ea typeface="微软雅黑" panose="020B0503020204020204" pitchFamily="34" charset="-122"/>
-            </a:endParaRPr>
           </a:p>
         </p:txBody>
       </p:sp>
@@ -3672,7 +3592,7 @@
         </p:nvSpPr>
         <p:spPr>
           <a:xfrm>
-            <a:off x="208866" y="1402463"/>
+            <a:off x="208866" y="1088138"/>
             <a:ext cx="800219" cy="276999"/>
           </a:xfrm>
           <a:prstGeom prst="rect">
@@ -3708,7 +3628,7 @@
         </p:nvCxnSpPr>
         <p:spPr>
           <a:xfrm>
-            <a:off x="289834" y="1673324"/>
+            <a:off x="289834" y="1358999"/>
             <a:ext cx="2941591" cy="0"/>
           </a:xfrm>
           <a:prstGeom prst="line">
@@ -3743,7 +3663,7 @@
         </p:nvSpPr>
         <p:spPr>
           <a:xfrm>
-            <a:off x="208865" y="2616507"/>
+            <a:off x="208865" y="1825932"/>
             <a:ext cx="800219" cy="276999"/>
           </a:xfrm>
           <a:prstGeom prst="rect">
@@ -3758,7 +3678,7 @@
           <a:p>
             <a:pPr lvl="0"/>
             <a:r>
-              <a:rPr lang="zh-CN" altLang="en-US" sz="1200" b="1" dirty="0" smtClean="0">
+              <a:rPr lang="zh-CN" altLang="en-US" sz="1200" b="1" dirty="0">
                 <a:latin typeface="微软雅黑" panose="020B0503020204020204" pitchFamily="34" charset="-122"/>
                 <a:ea typeface="微软雅黑" panose="020B0503020204020204" pitchFamily="34" charset="-122"/>
               </a:rPr>
@@ -3779,7 +3699,7 @@
         </p:nvCxnSpPr>
         <p:spPr>
           <a:xfrm>
-            <a:off x="289834" y="2892953"/>
+            <a:off x="289834" y="2111903"/>
             <a:ext cx="2941591" cy="0"/>
           </a:xfrm>
           <a:prstGeom prst="line">
@@ -3809,13 +3729,15 @@
       <p:cxnSp>
         <p:nvCxnSpPr>
           <p:cNvPr id="23" name="直接箭头连接符 22"/>
-          <p:cNvCxnSpPr/>
+          <p:cNvCxnSpPr>
+            <a:cxnSpLocks/>
+          </p:cNvCxnSpPr>
           <p:nvPr/>
         </p:nvCxnSpPr>
         <p:spPr>
           <a:xfrm flipV="1">
-            <a:off x="341630" y="3018155"/>
-            <a:ext cx="0" cy="6388735"/>
+            <a:off x="341630" y="2189481"/>
+            <a:ext cx="0" cy="7170673"/>
           </a:xfrm>
           <a:prstGeom prst="straightConnector1">
             <a:avLst/>
@@ -3850,7 +3772,7 @@
         </p:nvSpPr>
         <p:spPr>
           <a:xfrm flipH="1">
-            <a:off x="299360" y="3440256"/>
+            <a:off x="308884" y="4549058"/>
             <a:ext cx="84636" cy="84636"/>
           </a:xfrm>
           <a:prstGeom prst="ellipse">
@@ -3898,7 +3820,7 @@
         </p:nvSpPr>
         <p:spPr>
           <a:xfrm flipH="1">
-            <a:off x="299360" y="5387642"/>
+            <a:off x="299360" y="5973328"/>
             <a:ext cx="84636" cy="84636"/>
           </a:xfrm>
           <a:prstGeom prst="ellipse">
@@ -3946,7 +3868,7 @@
         </p:nvSpPr>
         <p:spPr>
           <a:xfrm flipH="1">
-            <a:off x="299360" y="7546314"/>
+            <a:off x="308885" y="7498689"/>
             <a:ext cx="84636" cy="84636"/>
           </a:xfrm>
           <a:prstGeom prst="ellipse">
@@ -3989,13 +3911,15 @@
       <p:cxnSp>
         <p:nvCxnSpPr>
           <p:cNvPr id="66" name="直接连接符 65"/>
-          <p:cNvCxnSpPr/>
+          <p:cNvCxnSpPr>
+            <a:cxnSpLocks/>
+          </p:cNvCxnSpPr>
           <p:nvPr/>
         </p:nvCxnSpPr>
         <p:spPr>
           <a:xfrm>
-            <a:off x="1043940" y="1812925"/>
-            <a:ext cx="0" cy="574675"/>
+            <a:off x="1043940" y="1422400"/>
+            <a:ext cx="0" cy="347022"/>
           </a:xfrm>
           <a:prstGeom prst="line">
             <a:avLst/>
@@ -4029,7 +3953,7 @@
         </p:nvSpPr>
         <p:spPr>
           <a:xfrm flipH="1">
-            <a:off x="1001547" y="1962106"/>
+            <a:off x="1001547" y="1523956"/>
             <a:ext cx="84636" cy="84636"/>
           </a:xfrm>
           <a:prstGeom prst="ellipse">
@@ -4077,7 +4001,7 @@
         </p:nvSpPr>
         <p:spPr>
           <a:xfrm>
-            <a:off x="204040" y="1895520"/>
+            <a:off x="194789" y="1475548"/>
             <a:ext cx="838200" cy="229870"/>
           </a:xfrm>
           <a:prstGeom prst="rect">
@@ -4091,7 +4015,7 @@
           <a:lstStyle/>
           <a:p>
             <a:r>
-              <a:rPr lang="en-US" altLang="zh-CN" sz="900" dirty="0" smtClean="0">
+              <a:rPr lang="en-US" altLang="zh-CN" sz="900" dirty="0">
                 <a:solidFill>
                   <a:prstClr val="black"/>
                 </a:solidFill>
@@ -4112,7 +4036,7 @@
         </p:nvSpPr>
         <p:spPr>
           <a:xfrm>
-            <a:off x="2028724" y="9526055"/>
+            <a:off x="2028724" y="9678455"/>
             <a:ext cx="2225040" cy="213995"/>
           </a:xfrm>
           <a:prstGeom prst="rect">
@@ -4128,7 +4052,7 @@
           <a:p>
             <a:pPr algn="l"/>
             <a:r>
-              <a:rPr lang="zh-CN" altLang="en-US" sz="800" dirty="0" smtClean="0">
+              <a:rPr lang="zh-CN" altLang="en-US" sz="800" dirty="0">
                 <a:latin typeface="微软雅黑" panose="020B0503020204020204" pitchFamily="34" charset="-122"/>
                 <a:ea typeface="微软雅黑" panose="020B0503020204020204" pitchFamily="34" charset="-122"/>
               </a:rPr>
@@ -4138,7 +4062,7 @@
               <a:rPr lang="en-US" altLang="zh-CN" sz="800" dirty="0">
                 <a:latin typeface="微软雅黑" panose="020B0503020204020204" pitchFamily="34" charset="-122"/>
                 <a:ea typeface="微软雅黑" panose="020B0503020204020204" pitchFamily="34" charset="-122"/>
-                <a:hlinkClick r:id="rId4"/>
+                <a:hlinkClick r:id="rId6"/>
               </a:rPr>
               <a:t>http://resume.yangmaoxin.cn</a:t>
             </a:r>
@@ -4157,7 +4081,7 @@
         </p:nvSpPr>
         <p:spPr>
           <a:xfrm>
-            <a:off x="204520" y="829114"/>
+            <a:off x="204520" y="581464"/>
             <a:ext cx="992579" cy="230832"/>
           </a:xfrm>
           <a:prstGeom prst="rect">
@@ -4172,7 +4096,7 @@
           <a:p>
             <a:pPr lvl="0" algn="ctr"/>
             <a:r>
-              <a:rPr lang="zh-CN" altLang="en-US" sz="900" dirty="0" smtClean="0">
+              <a:rPr lang="zh-CN" altLang="en-US" sz="900" dirty="0">
                 <a:solidFill>
                   <a:prstClr val="black"/>
                 </a:solidFill>
@@ -4199,10 +4123,10 @@
         </p:nvGrpSpPr>
         <p:grpSpPr>
           <a:xfrm>
-            <a:off x="386128" y="3120536"/>
-            <a:ext cx="2867930" cy="1810898"/>
-            <a:chOff x="416608" y="3709272"/>
-            <a:chExt cx="2867930" cy="1810898"/>
+            <a:off x="386128" y="4237282"/>
+            <a:ext cx="2867930" cy="1189595"/>
+            <a:chOff x="416608" y="3734152"/>
+            <a:chExt cx="2867930" cy="1189595"/>
           </a:xfrm>
         </p:grpSpPr>
         <p:sp>
@@ -4213,8 +4137,8 @@
           </p:nvSpPr>
           <p:spPr>
             <a:xfrm>
-              <a:off x="416608" y="3709272"/>
-              <a:ext cx="1027430" cy="270510"/>
+              <a:off x="416608" y="3734152"/>
+              <a:ext cx="1029449" cy="254429"/>
             </a:xfrm>
             <a:prstGeom prst="rect">
               <a:avLst/>
@@ -4232,23 +4156,12 @@
                 </a:lnSpc>
               </a:pPr>
               <a:r>
-                <a:rPr lang="en-US" altLang="zh-CN" sz="900" dirty="0" smtClean="0">
-                  <a:latin typeface="微软雅黑" panose="020B0503020204020204" pitchFamily="34" charset="-122"/>
-                  <a:ea typeface="微软雅黑" panose="020B0503020204020204" pitchFamily="34" charset="-122"/>
-                </a:rPr>
-                <a:t>2018.1 </a:t>
-              </a:r>
-              <a:r>
                 <a:rPr lang="en-US" altLang="zh-CN" sz="900" dirty="0">
                   <a:latin typeface="微软雅黑" panose="020B0503020204020204" pitchFamily="34" charset="-122"/>
                   <a:ea typeface="微软雅黑" panose="020B0503020204020204" pitchFamily="34" charset="-122"/>
                 </a:rPr>
-                <a:t>- 2018.3</a:t>
+                <a:t>2018.1 - 2018.4</a:t>
               </a:r>
-              <a:endParaRPr lang="en-US" altLang="zh-CN" sz="900" dirty="0">
-                <a:latin typeface="微软雅黑" panose="020B0503020204020204" pitchFamily="34" charset="-122"/>
-                <a:ea typeface="微软雅黑" panose="020B0503020204020204" pitchFamily="34" charset="-122"/>
-              </a:endParaRPr>
             </a:p>
           </p:txBody>
         </p:sp>
@@ -4260,7 +4173,7 @@
           </p:nvSpPr>
           <p:spPr>
             <a:xfrm>
-              <a:off x="416608" y="3889580"/>
+              <a:off x="416608" y="3908240"/>
               <a:ext cx="1873885" cy="333375"/>
             </a:xfrm>
             <a:prstGeom prst="rect">
@@ -4279,30 +4192,26 @@
                 </a:lnSpc>
               </a:pPr>
               <a:r>
-                <a:rPr lang="zh-CN" altLang="en-US" sz="1050" b="1" dirty="0" smtClean="0">
+                <a:rPr lang="zh-CN" altLang="en-US" sz="1050" b="1" dirty="0">
                   <a:latin typeface="微软雅黑" panose="020B0503020204020204" pitchFamily="34" charset="-122"/>
                   <a:ea typeface="微软雅黑" panose="020B0503020204020204" pitchFamily="34" charset="-122"/>
                 </a:rPr>
                 <a:t>智能共享柜锁</a:t>
               </a:r>
               <a:r>
-                <a:rPr lang="en-US" altLang="zh-CN" sz="1050" b="1" dirty="0" smtClean="0">
+                <a:rPr lang="en-US" altLang="zh-CN" sz="1050" b="1" dirty="0">
                   <a:latin typeface="微软雅黑" panose="020B0503020204020204" pitchFamily="34" charset="-122"/>
                   <a:ea typeface="微软雅黑" panose="020B0503020204020204" pitchFamily="34" charset="-122"/>
                 </a:rPr>
                 <a:t> — </a:t>
               </a:r>
               <a:r>
-                <a:rPr lang="zh-CN" altLang="en-US" sz="1050" b="1" dirty="0" smtClean="0">
+                <a:rPr lang="zh-CN" altLang="en-US" sz="1050" b="1" dirty="0">
                   <a:latin typeface="微软雅黑" panose="020B0503020204020204" pitchFamily="34" charset="-122"/>
                   <a:ea typeface="微软雅黑" panose="020B0503020204020204" pitchFamily="34" charset="-122"/>
                 </a:rPr>
                 <a:t>微信小程序</a:t>
               </a:r>
-              <a:endParaRPr lang="zh-CN" altLang="en-US" sz="1050" b="1" dirty="0" smtClean="0">
-                <a:latin typeface="微软雅黑" panose="020B0503020204020204" pitchFamily="34" charset="-122"/>
-                <a:ea typeface="微软雅黑" panose="020B0503020204020204" pitchFamily="34" charset="-122"/>
-              </a:endParaRPr>
             </a:p>
           </p:txBody>
         </p:sp>
@@ -4315,7 +4224,7 @@
           <p:spPr>
             <a:xfrm>
               <a:off x="416609" y="4467340"/>
-              <a:ext cx="2867929" cy="1052830"/>
+              <a:ext cx="2867929" cy="456407"/>
             </a:xfrm>
             <a:prstGeom prst="rect">
               <a:avLst/>
@@ -4335,59 +4244,12 @@
                 <a:buChar char="ü"/>
               </a:pPr>
               <a:r>
-                <a:rPr lang="zh-CN" sz="900" dirty="0" smtClean="0">
+                <a:rPr lang="zh-CN" sz="900" dirty="0">
                   <a:latin typeface="微软雅黑" panose="020B0503020204020204" pitchFamily="34" charset="-122"/>
                   <a:ea typeface="微软雅黑" panose="020B0503020204020204" pitchFamily="34" charset="-122"/>
                 </a:rPr>
                 <a:t>基于小程序，远程和蓝牙开启智能锁，并计费结算以及报修</a:t>
               </a:r>
-              <a:endParaRPr lang="zh-CN" sz="900" dirty="0" smtClean="0">
-                <a:latin typeface="微软雅黑" panose="020B0503020204020204" pitchFamily="34" charset="-122"/>
-                <a:ea typeface="微软雅黑" panose="020B0503020204020204" pitchFamily="34" charset="-122"/>
-              </a:endParaRPr>
-            </a:p>
-            <a:p>
-              <a:pPr marL="171450" lvl="0" indent="-171450">
-                <a:lnSpc>
-                  <a:spcPts val="1500"/>
-                </a:lnSpc>
-                <a:buFont typeface="Wingdings" panose="05000000000000000000" pitchFamily="2" charset="2"/>
-                <a:buChar char="ü"/>
-              </a:pPr>
-              <a:r>
-                <a:rPr sz="900" dirty="0" smtClean="0">
-                  <a:latin typeface="微软雅黑" panose="020B0503020204020204" pitchFamily="34" charset="-122"/>
-                  <a:ea typeface="微软雅黑" panose="020B0503020204020204" pitchFamily="34" charset="-122"/>
-                  <a:sym typeface="+mn-ea"/>
-                </a:rPr>
-                <a:t>基于微信小程序MINA框架的WXML、WXSS</a:t>
-              </a:r>
-              <a:endParaRPr sz="900" dirty="0" smtClean="0">
-                <a:latin typeface="微软雅黑" panose="020B0503020204020204" pitchFamily="34" charset="-122"/>
-                <a:ea typeface="微软雅黑" panose="020B0503020204020204" pitchFamily="34" charset="-122"/>
-              </a:endParaRPr>
-            </a:p>
-            <a:p>
-              <a:pPr marL="171450" lvl="0" indent="-171450">
-                <a:lnSpc>
-                  <a:spcPts val="1500"/>
-                </a:lnSpc>
-                <a:buFont typeface="Wingdings" panose="05000000000000000000" pitchFamily="2" charset="2"/>
-                <a:buChar char="ü"/>
-              </a:pPr>
-              <a:r>
-                <a:rPr sz="900" dirty="0" smtClean="0">
-                  <a:latin typeface="微软雅黑" panose="020B0503020204020204" pitchFamily="34" charset="-122"/>
-                  <a:ea typeface="微软雅黑" panose="020B0503020204020204" pitchFamily="34" charset="-122"/>
-                  <a:sym typeface="+mn-ea"/>
-                </a:rPr>
-                <a:t>视图层采用Flex弹性布局，逻辑层采用模块化的开发</a:t>
-              </a:r>
-              <a:endParaRPr lang="zh-CN" altLang="en-US" sz="900" dirty="0">
-                <a:latin typeface="微软雅黑" panose="020B0503020204020204" pitchFamily="34" charset="-122"/>
-                <a:ea typeface="微软雅黑" panose="020B0503020204020204" pitchFamily="34" charset="-122"/>
-                <a:sym typeface="+mn-ea"/>
-              </a:endParaRPr>
             </a:p>
           </p:txBody>
         </p:sp>
@@ -4434,7 +4296,7 @@
             <a:p>
               <a:pPr lvl="0"/>
               <a:r>
-                <a:rPr lang="en-US" altLang="zh-CN" sz="900" dirty="0" smtClean="0">
+                <a:rPr lang="en-US" altLang="zh-CN" sz="900" dirty="0">
                   <a:solidFill>
                     <a:prstClr val="white"/>
                   </a:solidFill>
@@ -4494,7 +4356,7 @@
             <a:p>
               <a:pPr lvl="0" algn="ctr"/>
               <a:r>
-                <a:rPr lang="zh-CN" altLang="en-US" sz="900" dirty="0" err="1" smtClean="0">
+                <a:rPr lang="zh-CN" altLang="en-US" sz="900" dirty="0" err="1">
                   <a:solidFill>
                     <a:prstClr val="white"/>
                   </a:solidFill>
@@ -4503,13 +4365,6 @@
                 </a:rPr>
                 <a:t>微信小程序</a:t>
               </a:r>
-              <a:endParaRPr lang="zh-CN" altLang="en-US" sz="900" dirty="0" err="1" smtClean="0">
-                <a:solidFill>
-                  <a:prstClr val="white"/>
-                </a:solidFill>
-                <a:latin typeface="微软雅黑" panose="020B0503020204020204" pitchFamily="34" charset="-122"/>
-                <a:ea typeface="微软雅黑" panose="020B0503020204020204" pitchFamily="34" charset="-122"/>
-              </a:endParaRPr>
             </a:p>
           </p:txBody>
         </p:sp>
@@ -4556,7 +4411,7 @@
             <a:p>
               <a:pPr lvl="0"/>
               <a:r>
-                <a:rPr lang="en-US" altLang="zh-CN" sz="900" dirty="0" smtClean="0">
+                <a:rPr lang="en-US" altLang="zh-CN" sz="900" dirty="0">
                   <a:solidFill>
                     <a:prstClr val="white"/>
                   </a:solidFill>
@@ -4612,10 +4467,11 @@
           </p:style>
           <p:txBody>
             <a:bodyPr rtlCol="0" anchor="ctr"/>
+            <a:lstStyle/>
             <a:p>
-              <a:pPr lvl="0"/>
+              <a:pPr lvl="0" algn="ctr"/>
               <a:r>
-                <a:rPr sz="900" dirty="0" smtClean="0">
+                <a:rPr sz="900" dirty="0">
                   <a:latin typeface="微软雅黑" panose="020B0503020204020204" pitchFamily="34" charset="-122"/>
                   <a:ea typeface="微软雅黑" panose="020B0503020204020204" pitchFamily="34" charset="-122"/>
                   <a:sym typeface="+mn-ea"/>
@@ -4669,10 +4525,11 @@
           </p:style>
           <p:txBody>
             <a:bodyPr rtlCol="0" anchor="ctr"/>
+            <a:lstStyle/>
             <a:p>
               <a:pPr lvl="0" algn="ctr"/>
               <a:r>
-                <a:rPr lang="zh-CN" altLang="en-US" sz="900" dirty="0" err="1" smtClean="0">
+                <a:rPr lang="zh-CN" altLang="en-US" sz="900" dirty="0" err="1">
                   <a:solidFill>
                     <a:prstClr val="white"/>
                   </a:solidFill>
@@ -4681,13 +4538,6 @@
                 </a:rPr>
                 <a:t>微信小程序</a:t>
               </a:r>
-              <a:endParaRPr lang="zh-CN" altLang="en-US" sz="900" dirty="0" err="1" smtClean="0">
-                <a:solidFill>
-                  <a:prstClr val="white"/>
-                </a:solidFill>
-                <a:latin typeface="微软雅黑" panose="020B0503020204020204" pitchFamily="34" charset="-122"/>
-                <a:ea typeface="微软雅黑" panose="020B0503020204020204" pitchFamily="34" charset="-122"/>
-              </a:endParaRPr>
             </a:p>
           </p:txBody>
         </p:sp>
@@ -4730,10 +4580,11 @@
           </p:style>
           <p:txBody>
             <a:bodyPr rtlCol="0" anchor="ctr"/>
+            <a:lstStyle/>
             <a:p>
-              <a:pPr lvl="0"/>
+              <a:pPr lvl="0" algn="ctr"/>
               <a:r>
-                <a:rPr sz="900" dirty="0" smtClean="0">
+                <a:rPr sz="900" dirty="0">
                   <a:latin typeface="微软雅黑" panose="020B0503020204020204" pitchFamily="34" charset="-122"/>
                   <a:ea typeface="微软雅黑" panose="020B0503020204020204" pitchFamily="34" charset="-122"/>
                   <a:sym typeface="+mn-ea"/>
@@ -4757,7 +4608,7 @@
         </p:nvSpPr>
         <p:spPr>
           <a:xfrm>
-            <a:off x="383995" y="5076144"/>
+            <a:off x="383995" y="5680490"/>
             <a:ext cx="1094740" cy="270510"/>
           </a:xfrm>
           <a:prstGeom prst="rect">
@@ -4776,30 +4627,12 @@
               </a:lnSpc>
             </a:pPr>
             <a:r>
-              <a:rPr lang="en-US" altLang="zh-CN" sz="900" dirty="0" smtClean="0">
-                <a:latin typeface="微软雅黑" panose="020B0503020204020204" pitchFamily="34" charset="-122"/>
-                <a:ea typeface="微软雅黑" panose="020B0503020204020204" pitchFamily="34" charset="-122"/>
-              </a:rPr>
-              <a:t>2017.9 </a:t>
-            </a:r>
-            <a:r>
               <a:rPr lang="en-US" altLang="zh-CN" sz="900" dirty="0">
                 <a:latin typeface="微软雅黑" panose="020B0503020204020204" pitchFamily="34" charset="-122"/>
                 <a:ea typeface="微软雅黑" panose="020B0503020204020204" pitchFamily="34" charset="-122"/>
               </a:rPr>
-              <a:t>- </a:t>
-            </a:r>
-            <a:r>
-              <a:rPr lang="en-US" altLang="zh-CN" sz="900" dirty="0" smtClean="0">
-                <a:latin typeface="微软雅黑" panose="020B0503020204020204" pitchFamily="34" charset="-122"/>
-                <a:ea typeface="微软雅黑" panose="020B0503020204020204" pitchFamily="34" charset="-122"/>
-              </a:rPr>
-              <a:t>2017.12</a:t>
-            </a:r>
-            <a:endParaRPr lang="en-US" altLang="zh-CN" sz="900" dirty="0">
-              <a:latin typeface="微软雅黑" panose="020B0503020204020204" pitchFamily="34" charset="-122"/>
-              <a:ea typeface="微软雅黑" panose="020B0503020204020204" pitchFamily="34" charset="-122"/>
-            </a:endParaRPr>
+              <a:t>2017.9 - 2017.12</a:t>
+            </a:r>
           </a:p>
         </p:txBody>
       </p:sp>
@@ -4811,7 +4644,7 @@
         </p:nvSpPr>
         <p:spPr>
           <a:xfrm>
-            <a:off x="383995" y="5230783"/>
+            <a:off x="383995" y="5836485"/>
             <a:ext cx="2273935" cy="333375"/>
           </a:xfrm>
           <a:prstGeom prst="rect">
@@ -4830,30 +4663,26 @@
               </a:lnSpc>
             </a:pPr>
             <a:r>
-              <a:rPr lang="zh-CN" altLang="en-US" sz="1050" b="1" dirty="0" err="1" smtClean="0">
+              <a:rPr lang="zh-CN" altLang="en-US" sz="1050" b="1" dirty="0" err="1">
                 <a:latin typeface="微软雅黑" panose="020B0503020204020204" pitchFamily="34" charset="-122"/>
                 <a:ea typeface="微软雅黑" panose="020B0503020204020204" pitchFamily="34" charset="-122"/>
               </a:rPr>
               <a:t>公交物资管理系统</a:t>
             </a:r>
             <a:r>
-              <a:rPr lang="en-US" altLang="zh-CN" sz="1050" b="1" dirty="0" smtClean="0">
+              <a:rPr lang="en-US" altLang="zh-CN" sz="1050" b="1" dirty="0">
                 <a:latin typeface="微软雅黑" panose="020B0503020204020204" pitchFamily="34" charset="-122"/>
                 <a:ea typeface="微软雅黑" panose="020B0503020204020204" pitchFamily="34" charset="-122"/>
               </a:rPr>
               <a:t> — </a:t>
             </a:r>
             <a:r>
-              <a:rPr lang="zh-CN" altLang="en-US" sz="1050" b="1" dirty="0" smtClean="0">
+              <a:rPr lang="zh-CN" altLang="en-US" sz="1050" b="1" dirty="0">
                 <a:latin typeface="微软雅黑" panose="020B0503020204020204" pitchFamily="34" charset="-122"/>
                 <a:ea typeface="微软雅黑" panose="020B0503020204020204" pitchFamily="34" charset="-122"/>
               </a:rPr>
               <a:t>后台管理系统</a:t>
             </a:r>
-            <a:endParaRPr lang="zh-CN" altLang="en-US" sz="1050" b="1" dirty="0" smtClean="0">
-              <a:latin typeface="微软雅黑" panose="020B0503020204020204" pitchFamily="34" charset="-122"/>
-              <a:ea typeface="微软雅黑" panose="020B0503020204020204" pitchFamily="34" charset="-122"/>
-            </a:endParaRPr>
           </a:p>
         </p:txBody>
       </p:sp>
@@ -4865,7 +4694,7 @@
         </p:nvSpPr>
         <p:spPr>
           <a:xfrm>
-            <a:off x="484526" y="5566543"/>
+            <a:off x="484526" y="6166821"/>
             <a:ext cx="474086" cy="203200"/>
           </a:xfrm>
           <a:prstGeom prst="rect">
@@ -4925,8 +4754,8 @@
         </p:nvSpPr>
         <p:spPr>
           <a:xfrm>
-            <a:off x="383997" y="5808543"/>
-            <a:ext cx="2870062" cy="1245235"/>
+            <a:off x="383997" y="6365045"/>
+            <a:ext cx="2870062" cy="648767"/>
           </a:xfrm>
           <a:prstGeom prst="rect">
             <a:avLst/>
@@ -4946,16 +4775,40 @@
               <a:buChar char="ü"/>
             </a:pPr>
             <a:r>
-              <a:rPr lang="zh-CN" altLang="en-US" sz="900" dirty="0" smtClean="0">
-                <a:latin typeface="微软雅黑" panose="020B0503020204020204" pitchFamily="34" charset="-122"/>
-                <a:ea typeface="微软雅黑" panose="020B0503020204020204" pitchFamily="34" charset="-122"/>
-              </a:rPr>
-              <a:t>本项目是一个后台管理系统</a:t>
-            </a:r>
-            <a:endParaRPr lang="zh-CN" altLang="en-US" sz="900" dirty="0" smtClean="0">
-              <a:latin typeface="微软雅黑" panose="020B0503020204020204" pitchFamily="34" charset="-122"/>
-              <a:ea typeface="微软雅黑" panose="020B0503020204020204" pitchFamily="34" charset="-122"/>
-            </a:endParaRPr>
+              <a:rPr lang="zh-CN" altLang="en-US" sz="900" dirty="0">
+                <a:latin typeface="微软雅黑" panose="020B0503020204020204" pitchFamily="34" charset="-122"/>
+                <a:ea typeface="微软雅黑" panose="020B0503020204020204" pitchFamily="34" charset="-122"/>
+              </a:rPr>
+              <a:t>一期使用</a:t>
+            </a:r>
+            <a:r>
+              <a:rPr lang="en-US" altLang="zh-CN" sz="900" dirty="0">
+                <a:latin typeface="微软雅黑" panose="020B0503020204020204" pitchFamily="34" charset="-122"/>
+                <a:ea typeface="微软雅黑" panose="020B0503020204020204" pitchFamily="34" charset="-122"/>
+              </a:rPr>
+              <a:t>EasyUI</a:t>
+            </a:r>
+            <a:r>
+              <a:rPr lang="zh-CN" altLang="en-US" sz="900" dirty="0">
+                <a:latin typeface="微软雅黑" panose="020B0503020204020204" pitchFamily="34" charset="-122"/>
+                <a:ea typeface="微软雅黑" panose="020B0503020204020204" pitchFamily="34" charset="-122"/>
+              </a:rPr>
+              <a:t>，二期使用</a:t>
+            </a:r>
+            <a:r>
+              <a:rPr lang="en-US" altLang="zh-CN" sz="900" dirty="0">
+                <a:latin typeface="微软雅黑" panose="020B0503020204020204" pitchFamily="34" charset="-122"/>
+                <a:ea typeface="微软雅黑" panose="020B0503020204020204" pitchFamily="34" charset="-122"/>
+              </a:rPr>
+              <a:t>Layui</a:t>
+            </a:r>
+            <a:r>
+              <a:rPr lang="zh-CN" altLang="en-US" sz="900" dirty="0">
+                <a:latin typeface="微软雅黑" panose="020B0503020204020204" pitchFamily="34" charset="-122"/>
+                <a:ea typeface="微软雅黑" panose="020B0503020204020204" pitchFamily="34" charset="-122"/>
+              </a:rPr>
+              <a:t>重构代码</a:t>
+            </a:r>
           </a:p>
           <a:p>
             <a:pPr marL="171450" lvl="0" indent="-171450">
@@ -4970,40 +4823,8 @@
                 <a:latin typeface="微软雅黑" panose="020B0503020204020204" pitchFamily="34" charset="-122"/>
                 <a:ea typeface="微软雅黑" panose="020B0503020204020204" pitchFamily="34" charset="-122"/>
               </a:rPr>
-              <a:t>一期前端框架使用</a:t>
-            </a:r>
-            <a:r>
-              <a:rPr lang="en-US" altLang="zh-CN" sz="900" dirty="0">
-                <a:latin typeface="微软雅黑" panose="020B0503020204020204" pitchFamily="34" charset="-122"/>
-                <a:ea typeface="微软雅黑" panose="020B0503020204020204" pitchFamily="34" charset="-122"/>
-              </a:rPr>
-              <a:t>EasyUI</a:t>
-            </a:r>
-            <a:r>
-              <a:rPr lang="zh-CN" altLang="en-US" sz="900" dirty="0">
-                <a:latin typeface="微软雅黑" panose="020B0503020204020204" pitchFamily="34" charset="-122"/>
-                <a:ea typeface="微软雅黑" panose="020B0503020204020204" pitchFamily="34" charset="-122"/>
-              </a:rPr>
-              <a:t>，二期使用</a:t>
-            </a:r>
-            <a:r>
-              <a:rPr lang="en-US" altLang="zh-CN" sz="900" dirty="0">
-                <a:latin typeface="微软雅黑" panose="020B0503020204020204" pitchFamily="34" charset="-122"/>
-                <a:ea typeface="微软雅黑" panose="020B0503020204020204" pitchFamily="34" charset="-122"/>
-              </a:rPr>
-              <a:t>Layui</a:t>
-            </a:r>
-            <a:r>
-              <a:rPr lang="zh-CN" altLang="en-US" sz="900" dirty="0">
-                <a:latin typeface="微软雅黑" panose="020B0503020204020204" pitchFamily="34" charset="-122"/>
-                <a:ea typeface="微软雅黑" panose="020B0503020204020204" pitchFamily="34" charset="-122"/>
-              </a:rPr>
-              <a:t>重构代码</a:t>
-            </a:r>
-            <a:endParaRPr lang="zh-CN" altLang="en-US" sz="900" dirty="0">
-              <a:latin typeface="微软雅黑" panose="020B0503020204020204" pitchFamily="34" charset="-122"/>
-              <a:ea typeface="微软雅黑" panose="020B0503020204020204" pitchFamily="34" charset="-122"/>
-            </a:endParaRPr>
+              <a:t>负责页面的布局和数据渲染，完成后端页面的嵌套</a:t>
+            </a:r>
           </a:p>
           <a:p>
             <a:pPr marL="171450" lvl="0" indent="-171450">
@@ -5018,32 +4839,8 @@
                 <a:latin typeface="微软雅黑" panose="020B0503020204020204" pitchFamily="34" charset="-122"/>
                 <a:ea typeface="微软雅黑" panose="020B0503020204020204" pitchFamily="34" charset="-122"/>
               </a:rPr>
-              <a:t>负责页面的布局和数据渲染，并且完成后端页面的嵌套</a:t>
-            </a:r>
-            <a:endParaRPr lang="zh-CN" altLang="en-US" sz="900" dirty="0">
-              <a:latin typeface="微软雅黑" panose="020B0503020204020204" pitchFamily="34" charset="-122"/>
-              <a:ea typeface="微软雅黑" panose="020B0503020204020204" pitchFamily="34" charset="-122"/>
-            </a:endParaRPr>
-          </a:p>
-          <a:p>
-            <a:pPr marL="171450" lvl="0" indent="-171450">
-              <a:lnSpc>
-                <a:spcPts val="1500"/>
-              </a:lnSpc>
-              <a:buFont typeface="Wingdings" panose="05000000000000000000" pitchFamily="2" charset="2"/>
-              <a:buChar char="ü"/>
-            </a:pPr>
-            <a:r>
-              <a:rPr lang="zh-CN" altLang="en-US" sz="900" dirty="0">
-                <a:latin typeface="微软雅黑" panose="020B0503020204020204" pitchFamily="34" charset="-122"/>
-                <a:ea typeface="微软雅黑" panose="020B0503020204020204" pitchFamily="34" charset="-122"/>
-              </a:rPr>
               <a:t>最大的困难是项目没有完全实现前后端分离</a:t>
             </a:r>
-            <a:endParaRPr lang="zh-CN" altLang="en-US" sz="900" dirty="0">
-              <a:latin typeface="微软雅黑" panose="020B0503020204020204" pitchFamily="34" charset="-122"/>
-              <a:ea typeface="微软雅黑" panose="020B0503020204020204" pitchFamily="34" charset="-122"/>
-            </a:endParaRPr>
           </a:p>
         </p:txBody>
       </p:sp>
@@ -5055,7 +4852,7 @@
         </p:nvSpPr>
         <p:spPr>
           <a:xfrm>
-            <a:off x="1646791" y="5566543"/>
+            <a:off x="1646791" y="6166824"/>
             <a:ext cx="619690" cy="203200"/>
           </a:xfrm>
           <a:prstGeom prst="rect">
@@ -5088,9 +4885,9 @@
           <a:bodyPr rtlCol="0" anchor="ctr"/>
           <a:lstStyle/>
           <a:p>
-            <a:pPr lvl="0"/>
-            <a:r>
-              <a:rPr lang="en-US" sz="900" dirty="0" smtClean="0">
+            <a:pPr lvl="0" algn="ctr"/>
+            <a:r>
+              <a:rPr lang="en-US" sz="900" dirty="0">
                 <a:solidFill>
                   <a:prstClr val="white"/>
                 </a:solidFill>
@@ -5099,13 +4896,6 @@
               </a:rPr>
               <a:t>EasyUI</a:t>
             </a:r>
-            <a:endParaRPr lang="en-US" sz="900" dirty="0" smtClean="0">
-              <a:solidFill>
-                <a:prstClr val="white"/>
-              </a:solidFill>
-              <a:latin typeface="微软雅黑" panose="020B0503020204020204" pitchFamily="34" charset="-122"/>
-              <a:ea typeface="微软雅黑" panose="020B0503020204020204" pitchFamily="34" charset="-122"/>
-            </a:endParaRPr>
           </a:p>
         </p:txBody>
       </p:sp>
@@ -5117,7 +4907,7 @@
         </p:nvSpPr>
         <p:spPr>
           <a:xfrm>
-            <a:off x="1001205" y="5566543"/>
+            <a:off x="1001205" y="6166821"/>
             <a:ext cx="602993" cy="203200"/>
           </a:xfrm>
           <a:prstGeom prst="rect">
@@ -5152,7 +4942,7 @@
           <a:p>
             <a:pPr lvl="0" algn="ctr"/>
             <a:r>
-              <a:rPr lang="en-US" altLang="zh-CN" sz="900" dirty="0" smtClean="0">
+              <a:rPr lang="en-US" altLang="zh-CN" sz="900" dirty="0">
                 <a:solidFill>
                   <a:prstClr val="white"/>
                 </a:solidFill>
@@ -5177,10 +4967,10 @@
         </p:nvGrpSpPr>
         <p:grpSpPr>
           <a:xfrm>
-            <a:off x="387971" y="7202546"/>
-            <a:ext cx="2866088" cy="2195708"/>
-            <a:chOff x="418451" y="7791282"/>
-            <a:chExt cx="2866088" cy="2195708"/>
+            <a:off x="387971" y="7204638"/>
+            <a:ext cx="2866088" cy="2155516"/>
+            <a:chOff x="418451" y="7831474"/>
+            <a:chExt cx="2866088" cy="2155516"/>
           </a:xfrm>
         </p:grpSpPr>
         <p:sp>
@@ -5191,7 +4981,7 @@
           </p:nvSpPr>
           <p:spPr>
             <a:xfrm>
-              <a:off x="418451" y="7791282"/>
+              <a:off x="418451" y="7831474"/>
               <a:ext cx="1094740" cy="270510"/>
             </a:xfrm>
             <a:prstGeom prst="rect">
@@ -5210,30 +5000,12 @@
                 </a:lnSpc>
               </a:pPr>
               <a:r>
-                <a:rPr lang="en-US" altLang="zh-CN" sz="900" dirty="0" smtClean="0">
-                  <a:latin typeface="微软雅黑" panose="020B0503020204020204" pitchFamily="34" charset="-122"/>
-                  <a:ea typeface="微软雅黑" panose="020B0503020204020204" pitchFamily="34" charset="-122"/>
-                </a:rPr>
-                <a:t>2015.8 </a:t>
-              </a:r>
-              <a:r>
                 <a:rPr lang="en-US" altLang="zh-CN" sz="900" dirty="0">
                   <a:latin typeface="微软雅黑" panose="020B0503020204020204" pitchFamily="34" charset="-122"/>
                   <a:ea typeface="微软雅黑" panose="020B0503020204020204" pitchFamily="34" charset="-122"/>
                 </a:rPr>
-                <a:t>- </a:t>
+                <a:t>2015.8 - 2016.11</a:t>
               </a:r>
-              <a:r>
-                <a:rPr lang="en-US" altLang="zh-CN" sz="900" dirty="0" smtClean="0">
-                  <a:latin typeface="微软雅黑" panose="020B0503020204020204" pitchFamily="34" charset="-122"/>
-                  <a:ea typeface="微软雅黑" panose="020B0503020204020204" pitchFamily="34" charset="-122"/>
-                </a:rPr>
-                <a:t>2016.11</a:t>
-              </a:r>
-              <a:endParaRPr lang="en-US" altLang="zh-CN" sz="900" dirty="0">
-                <a:latin typeface="微软雅黑" panose="020B0503020204020204" pitchFamily="34" charset="-122"/>
-                <a:ea typeface="微软雅黑" panose="020B0503020204020204" pitchFamily="34" charset="-122"/>
-              </a:endParaRPr>
             </a:p>
           </p:txBody>
         </p:sp>
@@ -5264,30 +5036,26 @@
                 </a:lnSpc>
               </a:pPr>
               <a:r>
-                <a:rPr lang="zh-CN" altLang="en-US" sz="1050" b="1" dirty="0" err="1" smtClean="0">
+                <a:rPr lang="zh-CN" altLang="en-US" sz="1050" b="1" dirty="0" err="1">
                   <a:latin typeface="微软雅黑" panose="020B0503020204020204" pitchFamily="34" charset="-122"/>
                   <a:ea typeface="微软雅黑" panose="020B0503020204020204" pitchFamily="34" charset="-122"/>
                 </a:rPr>
                 <a:t>乐此购</a:t>
               </a:r>
               <a:r>
-                <a:rPr lang="en-US" altLang="zh-CN" sz="1050" b="1" dirty="0" smtClean="0">
+                <a:rPr lang="en-US" altLang="zh-CN" sz="1050" b="1" dirty="0">
                   <a:latin typeface="微软雅黑" panose="020B0503020204020204" pitchFamily="34" charset="-122"/>
                   <a:ea typeface="微软雅黑" panose="020B0503020204020204" pitchFamily="34" charset="-122"/>
                 </a:rPr>
                 <a:t> — </a:t>
               </a:r>
               <a:r>
-                <a:rPr lang="zh-CN" altLang="en-US" sz="1050" b="1" dirty="0" smtClean="0">
+                <a:rPr lang="zh-CN" altLang="en-US" sz="1050" b="1" dirty="0">
                   <a:latin typeface="微软雅黑" panose="020B0503020204020204" pitchFamily="34" charset="-122"/>
                   <a:ea typeface="微软雅黑" panose="020B0503020204020204" pitchFamily="34" charset="-122"/>
                 </a:rPr>
                 <a:t>购物商城网站</a:t>
               </a:r>
-              <a:endParaRPr lang="zh-CN" altLang="en-US" sz="1050" b="1" dirty="0" smtClean="0">
-                <a:latin typeface="微软雅黑" panose="020B0503020204020204" pitchFamily="34" charset="-122"/>
-                <a:ea typeface="微软雅黑" panose="020B0503020204020204" pitchFamily="34" charset="-122"/>
-              </a:endParaRPr>
             </a:p>
           </p:txBody>
         </p:sp>
@@ -5334,7 +5102,7 @@
             <a:p>
               <a:pPr lvl="0"/>
               <a:r>
-                <a:rPr lang="en-US" altLang="zh-CN" sz="900" dirty="0" smtClean="0">
+                <a:rPr lang="en-US" altLang="zh-CN" sz="900" dirty="0">
                   <a:solidFill>
                     <a:prstClr val="white"/>
                   </a:solidFill>
@@ -5381,30 +5149,26 @@
                 <a:buChar char="ü"/>
               </a:pPr>
               <a:r>
-                <a:rPr lang="zh-CN" altLang="en-US" sz="900" dirty="0" smtClean="0">
+                <a:rPr lang="zh-CN" altLang="en-US" sz="900" dirty="0">
                   <a:latin typeface="微软雅黑" panose="020B0503020204020204" pitchFamily="34" charset="-122"/>
                   <a:ea typeface="微软雅黑" panose="020B0503020204020204" pitchFamily="34" charset="-122"/>
                 </a:rPr>
                 <a:t>为推广公司产品，制作一个大型网站商城，前期以</a:t>
               </a:r>
               <a:r>
-                <a:rPr lang="en-US" altLang="zh-CN" sz="900" dirty="0" smtClean="0">
+                <a:rPr lang="en-US" altLang="zh-CN" sz="900" dirty="0">
                   <a:latin typeface="微软雅黑" panose="020B0503020204020204" pitchFamily="34" charset="-122"/>
                   <a:ea typeface="微软雅黑" panose="020B0503020204020204" pitchFamily="34" charset="-122"/>
                 </a:rPr>
                 <a:t>PC</a:t>
               </a:r>
               <a:r>
-                <a:rPr lang="zh-CN" altLang="en-US" sz="900" dirty="0" smtClean="0">
+                <a:rPr lang="zh-CN" altLang="en-US" sz="900" dirty="0">
                   <a:latin typeface="微软雅黑" panose="020B0503020204020204" pitchFamily="34" charset="-122"/>
                   <a:ea typeface="微软雅黑" panose="020B0503020204020204" pitchFamily="34" charset="-122"/>
                 </a:rPr>
                 <a:t>端为主，二期完成手机端页面的开发</a:t>
               </a:r>
-              <a:endParaRPr lang="zh-CN" altLang="en-US" sz="900" dirty="0" smtClean="0">
-                <a:latin typeface="微软雅黑" panose="020B0503020204020204" pitchFamily="34" charset="-122"/>
-                <a:ea typeface="微软雅黑" panose="020B0503020204020204" pitchFamily="34" charset="-122"/>
-              </a:endParaRPr>
             </a:p>
             <a:p>
               <a:pPr marL="171450" lvl="0" indent="-171450">
@@ -5415,7 +5179,7 @@
                 <a:buChar char="ü"/>
               </a:pPr>
               <a:r>
-                <a:rPr lang="zh-CN" altLang="en-US" sz="900" dirty="0" smtClean="0">
+                <a:rPr lang="zh-CN" altLang="en-US" sz="900" dirty="0">
                   <a:latin typeface="微软雅黑" panose="020B0503020204020204" pitchFamily="34" charset="-122"/>
                   <a:ea typeface="微软雅黑" panose="020B0503020204020204" pitchFamily="34" charset="-122"/>
                   <a:sym typeface="+mn-ea"/>
@@ -5423,16 +5187,12 @@
                 <a:t>负责前期界面的研究</a:t>
               </a:r>
               <a:r>
-                <a:rPr sz="900" dirty="0" smtClean="0">
+                <a:rPr sz="900" dirty="0">
                   <a:latin typeface="微软雅黑" panose="020B0503020204020204" pitchFamily="34" charset="-122"/>
                   <a:ea typeface="微软雅黑" panose="020B0503020204020204" pitchFamily="34" charset="-122"/>
                 </a:rPr>
                 <a:t>，切图，配合后台开发人员设计界面与开发功能，并负责框架开发，封装公共组件，以及根据需要引进第三方插件</a:t>
               </a:r>
-              <a:endParaRPr sz="900" dirty="0" smtClean="0">
-                <a:latin typeface="微软雅黑" panose="020B0503020204020204" pitchFamily="34" charset="-122"/>
-                <a:ea typeface="微软雅黑" panose="020B0503020204020204" pitchFamily="34" charset="-122"/>
-              </a:endParaRPr>
             </a:p>
             <a:p>
               <a:pPr marL="171450" lvl="0" indent="-171450">
@@ -5443,16 +5203,12 @@
                 <a:buChar char="ü"/>
               </a:pPr>
               <a:r>
-                <a:rPr lang="en-US" altLang="zh-CN" sz="900" dirty="0" smtClean="0">
+                <a:rPr lang="en-US" altLang="zh-CN" sz="900" dirty="0">
                   <a:latin typeface="微软雅黑" panose="020B0503020204020204" pitchFamily="34" charset="-122"/>
                   <a:ea typeface="微软雅黑" panose="020B0503020204020204" pitchFamily="34" charset="-122"/>
                 </a:rPr>
                 <a:t>最大困难是实现产品前端界面效果与设计图纸在某些界面上难以绝对统一</a:t>
               </a:r>
-              <a:endParaRPr lang="en-US" altLang="zh-CN" sz="900" dirty="0" smtClean="0">
-                <a:latin typeface="微软雅黑" panose="020B0503020204020204" pitchFamily="34" charset="-122"/>
-                <a:ea typeface="微软雅黑" panose="020B0503020204020204" pitchFamily="34" charset="-122"/>
-              </a:endParaRPr>
             </a:p>
           </p:txBody>
         </p:sp>
@@ -5478,7 +5234,7 @@
             </p:nvSpPr>
             <p:spPr>
               <a:xfrm>
-                <a:off x="1441050" y="3756379"/>
+                <a:off x="1441050" y="3786523"/>
                 <a:ext cx="641187" cy="140176"/>
               </a:xfrm>
               <a:prstGeom prst="roundRect">
@@ -5523,18 +5279,7 @@
                     <a:ea typeface="微软雅黑" panose="020B0503020204020204" pitchFamily="34" charset="-122"/>
                     <a:sym typeface="+mn-ea"/>
                   </a:rPr>
-                  <a:t>团队</a:t>
-                </a:r>
-                <a:r>
-                  <a:rPr lang="zh-CN" altLang="en-US" sz="800" dirty="0" smtClean="0">
-                    <a:solidFill>
-                      <a:srgbClr val="6679DF"/>
-                    </a:solidFill>
-                    <a:latin typeface="微软雅黑" panose="020B0503020204020204" pitchFamily="34" charset="-122"/>
-                    <a:ea typeface="微软雅黑" panose="020B0503020204020204" pitchFamily="34" charset="-122"/>
-                    <a:sym typeface="+mn-ea"/>
-                  </a:rPr>
-                  <a:t>项目</a:t>
+                  <a:t>团队项目</a:t>
                 </a:r>
                 <a:endParaRPr lang="zh-CN" altLang="en-US" sz="800" dirty="0">
                   <a:solidFill>
@@ -5588,7 +5333,7 @@
         </p:nvSpPr>
         <p:spPr>
           <a:xfrm>
-            <a:off x="1449561" y="5130560"/>
+            <a:off x="1449561" y="5730042"/>
             <a:ext cx="641187" cy="140176"/>
           </a:xfrm>
           <a:prstGeom prst="roundRect">
@@ -5632,25 +5377,8 @@
                 <a:latin typeface="微软雅黑" panose="020B0503020204020204" pitchFamily="34" charset="-122"/>
                 <a:ea typeface="微软雅黑" panose="020B0503020204020204" pitchFamily="34" charset="-122"/>
               </a:rPr>
-              <a:t>团队</a:t>
-            </a:r>
-            <a:r>
-              <a:rPr lang="zh-CN" altLang="en-US" sz="800" dirty="0" smtClean="0">
-                <a:solidFill>
-                  <a:srgbClr val="6679DF"/>
-                </a:solidFill>
-                <a:latin typeface="微软雅黑" panose="020B0503020204020204" pitchFamily="34" charset="-122"/>
-                <a:ea typeface="微软雅黑" panose="020B0503020204020204" pitchFamily="34" charset="-122"/>
-              </a:rPr>
-              <a:t>项目</a:t>
-            </a:r>
-            <a:endParaRPr lang="zh-CN" altLang="en-US" sz="800" dirty="0">
-              <a:solidFill>
-                <a:srgbClr val="6679DF"/>
-              </a:solidFill>
-              <a:latin typeface="微软雅黑" panose="020B0503020204020204" pitchFamily="34" charset="-122"/>
-              <a:ea typeface="微软雅黑" panose="020B0503020204020204" pitchFamily="34" charset="-122"/>
-            </a:endParaRPr>
+              <a:t>团队项目</a:t>
+            </a:r>
           </a:p>
         </p:txBody>
       </p:sp>
@@ -5662,7 +5390,7 @@
         </p:nvSpPr>
         <p:spPr>
           <a:xfrm>
-            <a:off x="1454324" y="3186424"/>
+            <a:off x="1454324" y="4325519"/>
             <a:ext cx="641187" cy="140176"/>
           </a:xfrm>
           <a:prstGeom prst="roundRect">
@@ -5699,7 +5427,7 @@
           <a:p>
             <a:pPr algn="ctr"/>
             <a:r>
-              <a:rPr lang="zh-CN" altLang="en-US" sz="800" dirty="0" smtClean="0">
+              <a:rPr lang="zh-CN" altLang="en-US" sz="800" dirty="0">
                 <a:solidFill>
                   <a:srgbClr val="6679DF"/>
                 </a:solidFill>
@@ -5708,13 +5436,6 @@
               </a:rPr>
               <a:t>团队项目</a:t>
             </a:r>
-            <a:endParaRPr lang="zh-CN" altLang="en-US" sz="800" dirty="0" smtClean="0">
-              <a:solidFill>
-                <a:srgbClr val="6679DF"/>
-              </a:solidFill>
-              <a:latin typeface="微软雅黑" panose="020B0503020204020204" pitchFamily="34" charset="-122"/>
-              <a:ea typeface="微软雅黑" panose="020B0503020204020204" pitchFamily="34" charset="-122"/>
-            </a:endParaRPr>
           </a:p>
         </p:txBody>
       </p:sp>
@@ -5726,7 +5447,7 @@
         </p:nvSpPr>
         <p:spPr>
           <a:xfrm>
-            <a:off x="3380690" y="1387782"/>
+            <a:off x="3380690" y="1073457"/>
             <a:ext cx="792480" cy="275590"/>
           </a:xfrm>
           <a:prstGeom prst="rect">
@@ -5737,19 +5458,16 @@
           <a:bodyPr wrap="none">
             <a:spAutoFit/>
           </a:bodyPr>
+          <a:lstStyle/>
           <a:p>
             <a:pPr lvl="0"/>
             <a:r>
-              <a:rPr lang="zh-CN" altLang="en-US" sz="1200" b="1" dirty="0" smtClean="0">
+              <a:rPr lang="zh-CN" altLang="en-US" sz="1200" b="1" dirty="0">
                 <a:latin typeface="微软雅黑" panose="020B0503020204020204" pitchFamily="34" charset="-122"/>
                 <a:ea typeface="微软雅黑" panose="020B0503020204020204" pitchFamily="34" charset="-122"/>
               </a:rPr>
               <a:t>工作经历</a:t>
             </a:r>
-            <a:endParaRPr lang="zh-CN" altLang="en-US" sz="1200" b="1" dirty="0" smtClean="0">
-              <a:latin typeface="微软雅黑" panose="020B0503020204020204" pitchFamily="34" charset="-122"/>
-              <a:ea typeface="微软雅黑" panose="020B0503020204020204" pitchFamily="34" charset="-122"/>
-            </a:endParaRPr>
           </a:p>
         </p:txBody>
       </p:sp>
@@ -5761,7 +5479,7 @@
         </p:nvCxnSpPr>
         <p:spPr>
           <a:xfrm>
-            <a:off x="3461659" y="1664228"/>
+            <a:off x="3461659" y="1349903"/>
             <a:ext cx="2941591" cy="0"/>
           </a:xfrm>
           <a:prstGeom prst="line">
@@ -5791,13 +5509,15 @@
       <p:cxnSp>
         <p:nvCxnSpPr>
           <p:cNvPr id="101" name="直接箭头连接符 100"/>
-          <p:cNvCxnSpPr/>
+          <p:cNvCxnSpPr>
+            <a:cxnSpLocks/>
+          </p:cNvCxnSpPr>
           <p:nvPr/>
         </p:nvCxnSpPr>
         <p:spPr>
           <a:xfrm flipV="1">
-            <a:off x="3513455" y="1789430"/>
-            <a:ext cx="0" cy="4209415"/>
+            <a:off x="3513455" y="1475108"/>
+            <a:ext cx="0" cy="5042870"/>
           </a:xfrm>
           <a:prstGeom prst="straightConnector1">
             <a:avLst/>
@@ -5832,7 +5552,7 @@
         </p:nvSpPr>
         <p:spPr>
           <a:xfrm flipH="1">
-            <a:off x="3471185" y="2205816"/>
+            <a:off x="3480710" y="2767791"/>
             <a:ext cx="84636" cy="84636"/>
           </a:xfrm>
           <a:prstGeom prst="ellipse">
@@ -5865,6 +5585,7 @@
         </p:style>
         <p:txBody>
           <a:bodyPr rtlCol="0" anchor="ctr"/>
+          <a:lstStyle/>
           <a:p>
             <a:pPr algn="ctr"/>
             <a:endParaRPr lang="zh-CN" altLang="en-US"/>
@@ -5879,7 +5600,7 @@
         </p:nvSpPr>
         <p:spPr>
           <a:xfrm flipH="1">
-            <a:off x="3471185" y="3917617"/>
+            <a:off x="3471185" y="4574842"/>
             <a:ext cx="84636" cy="84636"/>
           </a:xfrm>
           <a:prstGeom prst="ellipse">
@@ -5912,6 +5633,7 @@
         </p:style>
         <p:txBody>
           <a:bodyPr rtlCol="0" anchor="ctr"/>
+          <a:lstStyle/>
           <a:p>
             <a:pPr algn="ctr"/>
             <a:endParaRPr lang="zh-CN" altLang="en-US"/>
@@ -5926,9 +5648,9 @@
         </p:nvGrpSpPr>
         <p:grpSpPr>
           <a:xfrm>
-            <a:off x="3557953" y="1891811"/>
+            <a:off x="3557953" y="2663336"/>
             <a:ext cx="2867930" cy="1544198"/>
-            <a:chOff x="416608" y="3709272"/>
+            <a:chOff x="416608" y="3947397"/>
             <a:chExt cx="2867930" cy="1544198"/>
           </a:xfrm>
         </p:grpSpPr>
@@ -5940,8 +5662,8 @@
           </p:nvSpPr>
           <p:spPr>
             <a:xfrm>
-              <a:off x="416608" y="3709272"/>
-              <a:ext cx="892175" cy="270510"/>
+              <a:off x="416608" y="3947397"/>
+              <a:ext cx="1029449" cy="254429"/>
             </a:xfrm>
             <a:prstGeom prst="rect">
               <a:avLst/>
@@ -5951,6 +5673,7 @@
             <a:bodyPr wrap="none">
               <a:spAutoFit/>
             </a:bodyPr>
+            <a:lstStyle/>
             <a:p>
               <a:pPr lvl="0">
                 <a:lnSpc>
@@ -5958,25 +5681,11 @@
                 </a:lnSpc>
               </a:pPr>
               <a:r>
-                <a:rPr lang="en-US" altLang="zh-CN" sz="900" dirty="0" smtClean="0">
-                  <a:latin typeface="微软雅黑" panose="020B0503020204020204" pitchFamily="34" charset="-122"/>
-                  <a:ea typeface="微软雅黑" panose="020B0503020204020204" pitchFamily="34" charset="-122"/>
-                </a:rPr>
-                <a:t>2017.5 </a:t>
-              </a:r>
-              <a:r>
                 <a:rPr lang="en-US" altLang="zh-CN" sz="900" dirty="0">
                   <a:latin typeface="微软雅黑" panose="020B0503020204020204" pitchFamily="34" charset="-122"/>
                   <a:ea typeface="微软雅黑" panose="020B0503020204020204" pitchFamily="34" charset="-122"/>
                 </a:rPr>
-                <a:t>- </a:t>
-              </a:r>
-              <a:r>
-                <a:rPr lang="zh-CN" altLang="en-US" sz="900" dirty="0">
-                  <a:latin typeface="微软雅黑" panose="020B0503020204020204" pitchFamily="34" charset="-122"/>
-                  <a:ea typeface="微软雅黑" panose="020B0503020204020204" pitchFamily="34" charset="-122"/>
-                </a:rPr>
-                <a:t>至今</a:t>
+                <a:t>2017.5 - 2018.4</a:t>
               </a:r>
               <a:endParaRPr lang="zh-CN" altLang="en-US" sz="900" dirty="0">
                 <a:latin typeface="微软雅黑" panose="020B0503020204020204" pitchFamily="34" charset="-122"/>
@@ -5993,7 +5702,7 @@
           </p:nvSpPr>
           <p:spPr>
             <a:xfrm>
-              <a:off x="416608" y="3889580"/>
+              <a:off x="416608" y="4127705"/>
               <a:ext cx="1783080" cy="333375"/>
             </a:xfrm>
             <a:prstGeom prst="rect">
@@ -6004,6 +5713,7 @@
             <a:bodyPr wrap="none">
               <a:spAutoFit/>
             </a:bodyPr>
+            <a:lstStyle/>
             <a:p>
               <a:pPr lvl="0">
                 <a:lnSpc>
@@ -6011,16 +5721,12 @@
                 </a:lnSpc>
               </a:pPr>
               <a:r>
-                <a:rPr lang="zh-CN" altLang="en-US" sz="1050" b="1" dirty="0" err="1" smtClean="0">
+                <a:rPr lang="zh-CN" altLang="en-US" sz="1050" b="1" dirty="0" err="1">
                   <a:latin typeface="微软雅黑" panose="020B0503020204020204" pitchFamily="34" charset="-122"/>
                   <a:ea typeface="微软雅黑" panose="020B0503020204020204" pitchFamily="34" charset="-122"/>
                 </a:rPr>
                 <a:t>天津杰出科技发展有限公司</a:t>
               </a:r>
-              <a:endParaRPr lang="zh-CN" altLang="en-US" sz="1050" b="1" dirty="0" err="1" smtClean="0">
-                <a:latin typeface="微软雅黑" panose="020B0503020204020204" pitchFamily="34" charset="-122"/>
-                <a:ea typeface="微软雅黑" panose="020B0503020204020204" pitchFamily="34" charset="-122"/>
-              </a:endParaRPr>
             </a:p>
           </p:txBody>
         </p:sp>
@@ -6032,7 +5738,7 @@
           </p:nvSpPr>
           <p:spPr>
             <a:xfrm>
-              <a:off x="416609" y="4200640"/>
+              <a:off x="416609" y="4438765"/>
               <a:ext cx="2867929" cy="1052830"/>
             </a:xfrm>
             <a:prstGeom prst="rect">
@@ -6043,6 +5749,7 @@
             <a:bodyPr wrap="square">
               <a:spAutoFit/>
             </a:bodyPr>
+            <a:lstStyle/>
             <a:p>
               <a:pPr marL="171450" lvl="0" indent="-171450">
                 <a:lnSpc>
@@ -6052,16 +5759,12 @@
                 <a:buChar char="ü"/>
               </a:pPr>
               <a:r>
-                <a:rPr lang="zh-CN" altLang="en-US" sz="900" dirty="0" smtClean="0">
+                <a:rPr lang="zh-CN" altLang="en-US" sz="900" dirty="0">
                   <a:latin typeface="微软雅黑" panose="020B0503020204020204" pitchFamily="34" charset="-122"/>
                   <a:ea typeface="微软雅黑" panose="020B0503020204020204" pitchFamily="34" charset="-122"/>
                 </a:rPr>
                 <a:t>负责与客户对接开发需求、并参与项目的研发及维护</a:t>
               </a:r>
-              <a:endParaRPr lang="zh-CN" altLang="en-US" sz="900" dirty="0" smtClean="0">
-                <a:latin typeface="微软雅黑" panose="020B0503020204020204" pitchFamily="34" charset="-122"/>
-                <a:ea typeface="微软雅黑" panose="020B0503020204020204" pitchFamily="34" charset="-122"/>
-              </a:endParaRPr>
             </a:p>
             <a:p>
               <a:pPr marL="171450" lvl="0" indent="-171450">
@@ -6072,16 +5775,12 @@
                 <a:buChar char="ü"/>
               </a:pPr>
               <a:r>
-                <a:rPr lang="zh-CN" altLang="en-US" sz="900" dirty="0" smtClean="0">
+                <a:rPr lang="zh-CN" altLang="en-US" sz="900" dirty="0">
                   <a:latin typeface="微软雅黑" panose="020B0503020204020204" pitchFamily="34" charset="-122"/>
                   <a:ea typeface="微软雅黑" panose="020B0503020204020204" pitchFamily="34" charset="-122"/>
                 </a:rPr>
                 <a:t>负责公司现有项目和新项目的前端修改调试和开发工作</a:t>
               </a:r>
-              <a:endParaRPr lang="zh-CN" altLang="en-US" sz="900" dirty="0" smtClean="0">
-                <a:latin typeface="微软雅黑" panose="020B0503020204020204" pitchFamily="34" charset="-122"/>
-                <a:ea typeface="微软雅黑" panose="020B0503020204020204" pitchFamily="34" charset="-122"/>
-              </a:endParaRPr>
             </a:p>
             <a:p>
               <a:pPr marL="171450" lvl="0" indent="-171450">
@@ -6092,7 +5791,7 @@
                 <a:buChar char="ü"/>
               </a:pPr>
               <a:r>
-                <a:rPr lang="zh-CN" altLang="en-US" sz="900" dirty="0" smtClean="0">
+                <a:rPr lang="zh-CN" altLang="en-US" sz="900" dirty="0">
                   <a:latin typeface="微软雅黑" panose="020B0503020204020204" pitchFamily="34" charset="-122"/>
                   <a:ea typeface="微软雅黑" panose="020B0503020204020204" pitchFamily="34" charset="-122"/>
                   <a:sym typeface="+mn-ea"/>
@@ -6115,7 +5814,7 @@
         </p:nvSpPr>
         <p:spPr>
           <a:xfrm>
-            <a:off x="3561128" y="3580276"/>
+            <a:off x="3561128" y="4256551"/>
             <a:ext cx="1027430" cy="270510"/>
           </a:xfrm>
           <a:prstGeom prst="rect">
@@ -6126,6 +5825,7 @@
           <a:bodyPr wrap="none">
             <a:spAutoFit/>
           </a:bodyPr>
+          <a:lstStyle/>
           <a:p>
             <a:pPr lvl="0">
               <a:lnSpc>
@@ -6133,23 +5833,12 @@
               </a:lnSpc>
             </a:pPr>
             <a:r>
-              <a:rPr lang="en-US" altLang="zh-CN" sz="900" dirty="0" smtClean="0">
-                <a:latin typeface="微软雅黑" panose="020B0503020204020204" pitchFamily="34" charset="-122"/>
-                <a:ea typeface="微软雅黑" panose="020B0503020204020204" pitchFamily="34" charset="-122"/>
-              </a:rPr>
-              <a:t>2017.1 </a:t>
-            </a:r>
-            <a:r>
               <a:rPr lang="en-US" altLang="zh-CN" sz="900" dirty="0">
                 <a:latin typeface="微软雅黑" panose="020B0503020204020204" pitchFamily="34" charset="-122"/>
                 <a:ea typeface="微软雅黑" panose="020B0503020204020204" pitchFamily="34" charset="-122"/>
               </a:rPr>
-              <a:t>- 2017.4</a:t>
-            </a:r>
-            <a:endParaRPr lang="en-US" altLang="zh-CN" sz="900" dirty="0">
-              <a:latin typeface="微软雅黑" panose="020B0503020204020204" pitchFamily="34" charset="-122"/>
-              <a:ea typeface="微软雅黑" panose="020B0503020204020204" pitchFamily="34" charset="-122"/>
-            </a:endParaRPr>
+              <a:t>2017.1 - 2017.4</a:t>
+            </a:r>
           </a:p>
         </p:txBody>
       </p:sp>
@@ -6161,7 +5850,7 @@
         </p:nvSpPr>
         <p:spPr>
           <a:xfrm>
-            <a:off x="3561128" y="3760584"/>
+            <a:off x="3561128" y="4436859"/>
             <a:ext cx="1649730" cy="333375"/>
           </a:xfrm>
           <a:prstGeom prst="rect">
@@ -6172,6 +5861,7 @@
           <a:bodyPr wrap="none">
             <a:spAutoFit/>
           </a:bodyPr>
+          <a:lstStyle/>
           <a:p>
             <a:pPr lvl="0" algn="l">
               <a:lnSpc>
@@ -6179,16 +5869,12 @@
               </a:lnSpc>
             </a:pPr>
             <a:r>
-              <a:rPr lang="zh-CN" altLang="en-US" sz="1050" b="1" dirty="0" err="1" smtClean="0">
+              <a:rPr lang="zh-CN" altLang="en-US" sz="1050" b="1" dirty="0" err="1">
                 <a:latin typeface="微软雅黑" panose="020B0503020204020204" pitchFamily="34" charset="-122"/>
                 <a:ea typeface="微软雅黑" panose="020B0503020204020204" pitchFamily="34" charset="-122"/>
               </a:rPr>
               <a:t>天津九运初科技有限公司</a:t>
             </a:r>
-            <a:endParaRPr lang="zh-CN" altLang="en-US" sz="1050" b="1" dirty="0" err="1" smtClean="0">
-              <a:latin typeface="微软雅黑" panose="020B0503020204020204" pitchFamily="34" charset="-122"/>
-              <a:ea typeface="微软雅黑" panose="020B0503020204020204" pitchFamily="34" charset="-122"/>
-            </a:endParaRPr>
           </a:p>
         </p:txBody>
       </p:sp>
@@ -6200,7 +5886,7 @@
         </p:nvSpPr>
         <p:spPr>
           <a:xfrm>
-            <a:off x="3561129" y="4071644"/>
+            <a:off x="3561129" y="4747919"/>
             <a:ext cx="2867929" cy="475615"/>
           </a:xfrm>
           <a:prstGeom prst="rect">
@@ -6211,6 +5897,7 @@
           <a:bodyPr wrap="square">
             <a:spAutoFit/>
           </a:bodyPr>
+          <a:lstStyle/>
           <a:p>
             <a:pPr marL="171450" lvl="0" indent="-171450">
               <a:lnSpc>
@@ -6220,16 +5907,12 @@
               <a:buChar char="ü"/>
             </a:pPr>
             <a:r>
-              <a:rPr lang="zh-CN" altLang="en-US" sz="900" dirty="0" smtClean="0">
+              <a:rPr lang="zh-CN" altLang="en-US" sz="900" dirty="0">
                 <a:latin typeface="微软雅黑" panose="020B0503020204020204" pitchFamily="34" charset="-122"/>
                 <a:ea typeface="微软雅黑" panose="020B0503020204020204" pitchFamily="34" charset="-122"/>
               </a:rPr>
               <a:t>公司官网前端界面更新及维护，使其达到更好的视觉体验和用户体验</a:t>
             </a:r>
-            <a:endParaRPr lang="zh-CN" altLang="en-US" sz="900" dirty="0">
-              <a:latin typeface="微软雅黑" panose="020B0503020204020204" pitchFamily="34" charset="-122"/>
-              <a:ea typeface="微软雅黑" panose="020B0503020204020204" pitchFamily="34" charset="-122"/>
-            </a:endParaRPr>
           </a:p>
         </p:txBody>
       </p:sp>
@@ -6241,7 +5924,7 @@
         </p:nvSpPr>
         <p:spPr>
           <a:xfrm>
-            <a:off x="3564303" y="4722006"/>
+            <a:off x="3564303" y="5236356"/>
             <a:ext cx="1094740" cy="270510"/>
           </a:xfrm>
           <a:prstGeom prst="rect">
@@ -6252,6 +5935,7 @@
           <a:bodyPr wrap="none">
             <a:spAutoFit/>
           </a:bodyPr>
+          <a:lstStyle/>
           <a:p>
             <a:pPr lvl="0">
               <a:lnSpc>
@@ -6259,23 +5943,12 @@
               </a:lnSpc>
             </a:pPr>
             <a:r>
-              <a:rPr lang="en-US" altLang="zh-CN" sz="900" dirty="0" smtClean="0">
-                <a:latin typeface="微软雅黑" panose="020B0503020204020204" pitchFamily="34" charset="-122"/>
-                <a:ea typeface="微软雅黑" panose="020B0503020204020204" pitchFamily="34" charset="-122"/>
-              </a:rPr>
-              <a:t>2015.6 </a:t>
-            </a:r>
-            <a:r>
               <a:rPr lang="en-US" altLang="zh-CN" sz="900" dirty="0">
                 <a:latin typeface="微软雅黑" panose="020B0503020204020204" pitchFamily="34" charset="-122"/>
                 <a:ea typeface="微软雅黑" panose="020B0503020204020204" pitchFamily="34" charset="-122"/>
               </a:rPr>
-              <a:t>- 2016.11</a:t>
-            </a:r>
-            <a:endParaRPr lang="en-US" altLang="zh-CN" sz="900" dirty="0">
-              <a:latin typeface="微软雅黑" panose="020B0503020204020204" pitchFamily="34" charset="-122"/>
-              <a:ea typeface="微软雅黑" panose="020B0503020204020204" pitchFamily="34" charset="-122"/>
-            </a:endParaRPr>
+              <a:t>2015.6 - 2016.11</a:t>
+            </a:r>
           </a:p>
         </p:txBody>
       </p:sp>
@@ -6287,7 +5960,7 @@
         </p:nvSpPr>
         <p:spPr>
           <a:xfrm>
-            <a:off x="3564303" y="4902314"/>
+            <a:off x="3564303" y="5416664"/>
             <a:ext cx="1916430" cy="333375"/>
           </a:xfrm>
           <a:prstGeom prst="rect">
@@ -6298,6 +5971,7 @@
           <a:bodyPr wrap="none">
             <a:spAutoFit/>
           </a:bodyPr>
+          <a:lstStyle/>
           <a:p>
             <a:pPr lvl="0" algn="l">
               <a:lnSpc>
@@ -6305,16 +5979,12 @@
               </a:lnSpc>
             </a:pPr>
             <a:r>
-              <a:rPr lang="zh-CN" altLang="en-US" sz="1050" b="1" dirty="0" err="1" smtClean="0">
+              <a:rPr lang="zh-CN" altLang="en-US" sz="1050" b="1" dirty="0" err="1">
                 <a:latin typeface="微软雅黑" panose="020B0503020204020204" pitchFamily="34" charset="-122"/>
                 <a:ea typeface="微软雅黑" panose="020B0503020204020204" pitchFamily="34" charset="-122"/>
               </a:rPr>
               <a:t>天津德沃赛国际贸易有限公司</a:t>
             </a:r>
-            <a:endParaRPr lang="zh-CN" altLang="en-US" sz="1050" b="1" dirty="0" err="1" smtClean="0">
-              <a:latin typeface="微软雅黑" panose="020B0503020204020204" pitchFamily="34" charset="-122"/>
-              <a:ea typeface="微软雅黑" panose="020B0503020204020204" pitchFamily="34" charset="-122"/>
-            </a:endParaRPr>
           </a:p>
         </p:txBody>
       </p:sp>
@@ -6326,7 +5996,7 @@
         </p:nvSpPr>
         <p:spPr>
           <a:xfrm>
-            <a:off x="3564304" y="5213374"/>
+            <a:off x="3564304" y="5727724"/>
             <a:ext cx="2867929" cy="860425"/>
           </a:xfrm>
           <a:prstGeom prst="rect">
@@ -6337,6 +6007,7 @@
           <a:bodyPr wrap="square">
             <a:spAutoFit/>
           </a:bodyPr>
+          <a:lstStyle/>
           <a:p>
             <a:pPr marL="171450" lvl="0" indent="-171450">
               <a:lnSpc>
@@ -6346,16 +6017,12 @@
               <a:buChar char="ü"/>
             </a:pPr>
             <a:r>
-              <a:rPr sz="900" dirty="0" smtClean="0">
+              <a:rPr sz="900" dirty="0">
                 <a:latin typeface="微软雅黑" panose="020B0503020204020204" pitchFamily="34" charset="-122"/>
                 <a:ea typeface="微软雅黑" panose="020B0503020204020204" pitchFamily="34" charset="-122"/>
               </a:rPr>
               <a:t>完成乐此购商城整站的前端开发，并兼容至IE8，上线后不断的维护与优化</a:t>
             </a:r>
-            <a:endParaRPr sz="900" dirty="0" smtClean="0">
-              <a:latin typeface="微软雅黑" panose="020B0503020204020204" pitchFamily="34" charset="-122"/>
-              <a:ea typeface="微软雅黑" panose="020B0503020204020204" pitchFamily="34" charset="-122"/>
-            </a:endParaRPr>
           </a:p>
           <a:p>
             <a:pPr marL="171450" lvl="0" indent="-171450">
@@ -6366,16 +6033,12 @@
               <a:buChar char="ü"/>
             </a:pPr>
             <a:r>
-              <a:rPr sz="900" dirty="0" smtClean="0">
+              <a:rPr sz="900" dirty="0">
                 <a:latin typeface="微软雅黑" panose="020B0503020204020204" pitchFamily="34" charset="-122"/>
                 <a:ea typeface="微软雅黑" panose="020B0503020204020204" pitchFamily="34" charset="-122"/>
               </a:rPr>
               <a:t>负责公司网站PC端及移动端的多个活动页面的前端开发</a:t>
             </a:r>
-            <a:endParaRPr sz="900" dirty="0" smtClean="0">
-              <a:latin typeface="微软雅黑" panose="020B0503020204020204" pitchFamily="34" charset="-122"/>
-              <a:ea typeface="微软雅黑" panose="020B0503020204020204" pitchFamily="34" charset="-122"/>
-            </a:endParaRPr>
           </a:p>
         </p:txBody>
       </p:sp>
@@ -6387,7 +6050,7 @@
         </p:nvSpPr>
         <p:spPr>
           <a:xfrm flipH="1">
-            <a:off x="3474360" y="5049822"/>
+            <a:off x="3474360" y="5564172"/>
             <a:ext cx="84636" cy="84636"/>
           </a:xfrm>
           <a:prstGeom prst="ellipse">
@@ -6420,6 +6083,7 @@
         </p:style>
         <p:txBody>
           <a:bodyPr rtlCol="0" anchor="ctr"/>
+          <a:lstStyle/>
           <a:p>
             <a:pPr algn="ctr"/>
             <a:endParaRPr lang="zh-CN" altLang="en-US"/>
@@ -6434,7 +6098,7 @@
         </p:nvSpPr>
         <p:spPr>
           <a:xfrm>
-            <a:off x="4699809" y="1962144"/>
+            <a:off x="4699809" y="2724144"/>
             <a:ext cx="641187" cy="140176"/>
           </a:xfrm>
           <a:prstGeom prst="roundRect">
@@ -6467,10 +6131,11 @@
         </p:style>
         <p:txBody>
           <a:bodyPr rtlCol="0" anchor="ctr"/>
+          <a:lstStyle/>
           <a:p>
             <a:pPr algn="ctr"/>
             <a:r>
-              <a:rPr lang="zh-CN" altLang="en-US" sz="800" dirty="0" smtClean="0">
+              <a:rPr lang="zh-CN" altLang="en-US" sz="800" dirty="0">
                 <a:solidFill>
                   <a:srgbClr val="6679DF"/>
                 </a:solidFill>
@@ -6479,13 +6144,6 @@
               </a:rPr>
               <a:t>前端开发</a:t>
             </a:r>
-            <a:endParaRPr lang="zh-CN" altLang="en-US" sz="800" dirty="0" smtClean="0">
-              <a:solidFill>
-                <a:srgbClr val="6679DF"/>
-              </a:solidFill>
-              <a:latin typeface="微软雅黑" panose="020B0503020204020204" pitchFamily="34" charset="-122"/>
-              <a:ea typeface="微软雅黑" panose="020B0503020204020204" pitchFamily="34" charset="-122"/>
-            </a:endParaRPr>
           </a:p>
         </p:txBody>
       </p:sp>
@@ -6497,7 +6155,7 @@
         </p:nvSpPr>
         <p:spPr>
           <a:xfrm>
-            <a:off x="4699809" y="3644894"/>
+            <a:off x="4699809" y="4321169"/>
             <a:ext cx="641187" cy="140176"/>
           </a:xfrm>
           <a:prstGeom prst="roundRect">
@@ -6530,10 +6188,11 @@
         </p:style>
         <p:txBody>
           <a:bodyPr rtlCol="0" anchor="ctr"/>
+          <a:lstStyle/>
           <a:p>
             <a:pPr algn="ctr"/>
             <a:r>
-              <a:rPr lang="zh-CN" altLang="en-US" sz="800" dirty="0" smtClean="0">
+              <a:rPr lang="zh-CN" altLang="en-US" sz="800" dirty="0">
                 <a:solidFill>
                   <a:srgbClr val="6679DF"/>
                 </a:solidFill>
@@ -6542,13 +6201,6 @@
               </a:rPr>
               <a:t>前端开发</a:t>
             </a:r>
-            <a:endParaRPr lang="zh-CN" altLang="en-US" sz="800" dirty="0" smtClean="0">
-              <a:solidFill>
-                <a:srgbClr val="6679DF"/>
-              </a:solidFill>
-              <a:latin typeface="微软雅黑" panose="020B0503020204020204" pitchFamily="34" charset="-122"/>
-              <a:ea typeface="微软雅黑" panose="020B0503020204020204" pitchFamily="34" charset="-122"/>
-            </a:endParaRPr>
           </a:p>
         </p:txBody>
       </p:sp>
@@ -6560,7 +6212,7 @@
         </p:nvSpPr>
         <p:spPr>
           <a:xfrm>
-            <a:off x="4699809" y="4787259"/>
+            <a:off x="4699809" y="5301609"/>
             <a:ext cx="641187" cy="140176"/>
           </a:xfrm>
           <a:prstGeom prst="roundRect">
@@ -6593,10 +6245,11 @@
         </p:style>
         <p:txBody>
           <a:bodyPr rtlCol="0" anchor="ctr"/>
+          <a:lstStyle/>
           <a:p>
             <a:pPr algn="ctr"/>
             <a:r>
-              <a:rPr lang="zh-CN" altLang="en-US" sz="800" dirty="0" smtClean="0">
+              <a:rPr lang="zh-CN" altLang="en-US" sz="800" dirty="0">
                 <a:solidFill>
                   <a:srgbClr val="6679DF"/>
                 </a:solidFill>
@@ -6605,13 +6258,6 @@
               </a:rPr>
               <a:t>前端开发</a:t>
             </a:r>
-            <a:endParaRPr lang="zh-CN" altLang="en-US" sz="800" dirty="0" smtClean="0">
-              <a:solidFill>
-                <a:srgbClr val="6679DF"/>
-              </a:solidFill>
-              <a:latin typeface="微软雅黑" panose="020B0503020204020204" pitchFamily="34" charset="-122"/>
-              <a:ea typeface="微软雅黑" panose="020B0503020204020204" pitchFamily="34" charset="-122"/>
-            </a:endParaRPr>
           </a:p>
         </p:txBody>
       </p:sp>
@@ -6623,7 +6269,7 @@
         </p:nvSpPr>
         <p:spPr>
           <a:xfrm>
-            <a:off x="3430586" y="6470439"/>
+            <a:off x="3430586" y="6822864"/>
             <a:ext cx="2997159" cy="2915285"/>
           </a:xfrm>
           <a:prstGeom prst="rect">
@@ -6635,6 +6281,7 @@
           <a:bodyPr wrap="square" rtlCol="0">
             <a:spAutoFit/>
           </a:bodyPr>
+          <a:lstStyle/>
           <a:p>
             <a:pPr>
               <a:lnSpc>
@@ -6655,7 +6302,7 @@
               </a:rPr>
               <a:t>前端</a:t>
             </a:r>
-            <a:endParaRPr lang="zh-CN" altLang="en-US" sz="900" dirty="0" smtClean="0">
+            <a:endParaRPr lang="zh-CN" altLang="en-US" sz="900" dirty="0">
               <a:latin typeface="微软雅黑" panose="020B0503020204020204" pitchFamily="34" charset="-122"/>
               <a:ea typeface="微软雅黑" panose="020B0503020204020204" pitchFamily="34" charset="-122"/>
             </a:endParaRPr>
@@ -6675,10 +6322,6 @@
               </a:rPr>
               <a:t>熟练使用合理的结构和样式编写兼容主流浏览器的页面</a:t>
             </a:r>
-            <a:endParaRPr lang="en-US" altLang="zh-CN" sz="900" dirty="0">
-              <a:latin typeface="微软雅黑" panose="020B0503020204020204" pitchFamily="34" charset="-122"/>
-              <a:ea typeface="微软雅黑" panose="020B0503020204020204" pitchFamily="34" charset="-122"/>
-            </a:endParaRPr>
           </a:p>
           <a:p>
             <a:pPr marL="171450" indent="-171450">
@@ -6697,7 +6340,7 @@
               <a:t>能适当运用</a:t>
             </a:r>
             <a:r>
-              <a:rPr lang="en-US" altLang="zh-CN" sz="900" b="1" dirty="0" smtClean="0">
+              <a:rPr lang="en-US" altLang="zh-CN" sz="900" b="1" dirty="0">
                 <a:solidFill>
                   <a:srgbClr val="6679DF"/>
                 </a:solidFill>
@@ -6736,7 +6379,7 @@
               <a:t>熟练运用</a:t>
             </a:r>
             <a:r>
-              <a:rPr lang="en-US" altLang="zh-CN" sz="900" b="1" dirty="0" smtClean="0">
+              <a:rPr lang="en-US" altLang="zh-CN" sz="900" b="1" dirty="0">
                 <a:solidFill>
                   <a:srgbClr val="6679DF"/>
                 </a:solidFill>
@@ -6753,7 +6396,7 @@
               <a:t>实现异步数据传递，熟悉</a:t>
             </a:r>
             <a:r>
-              <a:rPr lang="en-US" altLang="zh-CN" sz="900" b="1" dirty="0" smtClean="0">
+              <a:rPr lang="en-US" altLang="zh-CN" sz="900" b="1" dirty="0">
                 <a:solidFill>
                   <a:srgbClr val="6679DF"/>
                 </a:solidFill>
@@ -6769,7 +6412,7 @@
               </a:rPr>
               <a:t>等数据交换格式</a:t>
             </a:r>
-            <a:endParaRPr lang="zh-CN" altLang="en-US" sz="900" dirty="0" smtClean="0">
+            <a:endParaRPr lang="zh-CN" altLang="en-US" sz="900" dirty="0">
               <a:latin typeface="微软雅黑" panose="020B0503020204020204" pitchFamily="34" charset="-122"/>
               <a:ea typeface="微软雅黑" panose="020B0503020204020204" pitchFamily="34" charset="-122"/>
             </a:endParaRPr>
@@ -6783,14 +6426,14 @@
               <a:buChar char="ü"/>
             </a:pPr>
             <a:r>
-              <a:rPr lang="en-US" altLang="zh-CN" sz="900" dirty="0" smtClean="0">
+              <a:rPr lang="en-US" altLang="zh-CN" sz="900" dirty="0">
                 <a:latin typeface="微软雅黑" panose="020B0503020204020204" pitchFamily="34" charset="-122"/>
                 <a:ea typeface="微软雅黑" panose="020B0503020204020204" pitchFamily="34" charset="-122"/>
               </a:rPr>
               <a:t>熟练使用常用</a:t>
             </a:r>
             <a:r>
-              <a:rPr lang="en-US" altLang="zh-CN" sz="900" b="1" dirty="0" smtClean="0">
+              <a:rPr lang="en-US" altLang="zh-CN" sz="900" b="1" dirty="0">
                 <a:solidFill>
                   <a:srgbClr val="6679DF"/>
                 </a:solidFill>
@@ -6800,14 +6443,14 @@
               <a:t>JavaScript</a:t>
             </a:r>
             <a:r>
-              <a:rPr lang="en-US" altLang="zh-CN" sz="900" dirty="0" smtClean="0">
+              <a:rPr lang="en-US" altLang="zh-CN" sz="900" dirty="0">
                 <a:latin typeface="微软雅黑" panose="020B0503020204020204" pitchFamily="34" charset="-122"/>
                 <a:ea typeface="微软雅黑" panose="020B0503020204020204" pitchFamily="34" charset="-122"/>
               </a:rPr>
               <a:t>库，如</a:t>
             </a:r>
             <a:r>
-              <a:rPr lang="en-US" altLang="zh-CN" sz="900" b="1" dirty="0" smtClean="0">
+              <a:rPr lang="en-US" altLang="zh-CN" sz="900" b="1" dirty="0">
                 <a:solidFill>
                   <a:srgbClr val="6679DF"/>
                 </a:solidFill>
@@ -6816,7 +6459,7 @@
               </a:rPr>
               <a:t>jQuery、zepto</a:t>
             </a:r>
-            <a:endParaRPr lang="en-US" altLang="zh-CN" sz="900" dirty="0" smtClean="0">
+            <a:endParaRPr lang="en-US" altLang="zh-CN" sz="900" dirty="0">
               <a:latin typeface="微软雅黑" panose="020B0503020204020204" pitchFamily="34" charset="-122"/>
               <a:ea typeface="微软雅黑" panose="020B0503020204020204" pitchFamily="34" charset="-122"/>
             </a:endParaRPr>
@@ -6837,7 +6480,7 @@
               <a:t>能使用</a:t>
             </a:r>
             <a:r>
-              <a:rPr lang="en-US" altLang="zh-CN" sz="900" b="1" dirty="0" smtClean="0">
+              <a:rPr lang="en-US" altLang="zh-CN" sz="900" b="1" dirty="0">
                 <a:solidFill>
                   <a:srgbClr val="6679DF"/>
                 </a:solidFill>
@@ -6853,10 +6496,6 @@
               </a:rPr>
               <a:t>等前端样式库和框架进行开发</a:t>
             </a:r>
-            <a:endParaRPr sz="900">
-              <a:latin typeface="微软雅黑" panose="020B0503020204020204" pitchFamily="34" charset="-122"/>
-              <a:ea typeface="微软雅黑" panose="020B0503020204020204" pitchFamily="34" charset="-122"/>
-            </a:endParaRPr>
           </a:p>
           <a:p>
             <a:pPr marL="171450" indent="-171450">
@@ -6867,16 +6506,12 @@
               <a:buChar char="ü"/>
             </a:pPr>
             <a:r>
-              <a:rPr lang="en-US" altLang="zh-CN" sz="900" dirty="0" smtClean="0">
+              <a:rPr lang="en-US" altLang="zh-CN" sz="900" dirty="0">
                 <a:latin typeface="微软雅黑" panose="020B0503020204020204" pitchFamily="34" charset="-122"/>
                 <a:ea typeface="微软雅黑" panose="020B0503020204020204" pitchFamily="34" charset="-122"/>
               </a:rPr>
               <a:t>能运用模块化、面向对象的方式编程</a:t>
             </a:r>
-            <a:endParaRPr lang="en-US" altLang="zh-CN" sz="900" dirty="0" smtClean="0">
-              <a:latin typeface="微软雅黑" panose="020B0503020204020204" pitchFamily="34" charset="-122"/>
-              <a:ea typeface="微软雅黑" panose="020B0503020204020204" pitchFamily="34" charset="-122"/>
-            </a:endParaRPr>
           </a:p>
           <a:p>
             <a:pPr indent="-171450">
@@ -6904,44 +6539,26 @@
               <a:t>Vue.js</a:t>
             </a:r>
             <a:r>
-              <a:rPr lang="en-US" altLang="zh-CN" sz="900" dirty="0" smtClean="0">
+              <a:rPr lang="en-US" altLang="zh-CN" sz="900" dirty="0">
                 <a:latin typeface="微软雅黑" panose="020B0503020204020204" pitchFamily="34" charset="-122"/>
                 <a:ea typeface="微软雅黑" panose="020B0503020204020204" pitchFamily="34" charset="-122"/>
               </a:rPr>
               <a:t> </a:t>
             </a:r>
             <a:r>
-              <a:rPr lang="zh-CN" altLang="en-US" sz="900" dirty="0" smtClean="0">
-                <a:latin typeface="微软雅黑" panose="020B0503020204020204" pitchFamily="34" charset="-122"/>
-                <a:ea typeface="微软雅黑" panose="020B0503020204020204" pitchFamily="34" charset="-122"/>
-              </a:rPr>
-              <a:t>编写</a:t>
-            </a:r>
-            <a:r>
               <a:rPr lang="zh-CN" altLang="en-US" sz="900" dirty="0">
                 <a:latin typeface="微软雅黑" panose="020B0503020204020204" pitchFamily="34" charset="-122"/>
                 <a:ea typeface="微软雅黑" panose="020B0503020204020204" pitchFamily="34" charset="-122"/>
               </a:rPr>
-              <a:t>过简单</a:t>
-            </a:r>
-            <a:r>
-              <a:rPr lang="zh-CN" altLang="en-US" sz="900" dirty="0" smtClean="0">
-                <a:latin typeface="微软雅黑" panose="020B0503020204020204" pitchFamily="34" charset="-122"/>
-                <a:ea typeface="微软雅黑" panose="020B0503020204020204" pitchFamily="34" charset="-122"/>
-              </a:rPr>
-              <a:t>的</a:t>
-            </a:r>
-            <a:r>
-              <a:rPr lang="en-US" altLang="zh-CN" sz="900" dirty="0" smtClean="0">
+              <a:t>编写过简单的</a:t>
+            </a:r>
+            <a:r>
+              <a:rPr lang="en-US" altLang="zh-CN" sz="900" dirty="0">
                 <a:latin typeface="微软雅黑" panose="020B0503020204020204" pitchFamily="34" charset="-122"/>
                 <a:ea typeface="微软雅黑" panose="020B0503020204020204" pitchFamily="34" charset="-122"/>
               </a:rPr>
               <a:t>SPA</a:t>
             </a:r>
-            <a:endParaRPr lang="en-US" altLang="zh-CN" sz="900" dirty="0" smtClean="0">
-              <a:latin typeface="微软雅黑" panose="020B0503020204020204" pitchFamily="34" charset="-122"/>
-              <a:ea typeface="微软雅黑" panose="020B0503020204020204" pitchFamily="34" charset="-122"/>
-            </a:endParaRPr>
           </a:p>
           <a:p>
             <a:pPr indent="-171450">
@@ -6952,14 +6569,14 @@
               <a:buChar char="ü"/>
             </a:pPr>
             <a:r>
-              <a:rPr lang="zh-CN" altLang="en-US" sz="900" dirty="0" smtClean="0">
+              <a:rPr lang="zh-CN" altLang="en-US" sz="900" dirty="0">
                 <a:latin typeface="微软雅黑" panose="020B0503020204020204" pitchFamily="34" charset="-122"/>
                 <a:ea typeface="微软雅黑" panose="020B0503020204020204" pitchFamily="34" charset="-122"/>
               </a:rPr>
               <a:t>使用 </a:t>
             </a:r>
             <a:r>
-              <a:rPr lang="en-US" altLang="zh-CN" sz="900" b="1" dirty="0" smtClean="0">
+              <a:rPr lang="en-US" altLang="zh-CN" sz="900" b="1" dirty="0">
                 <a:solidFill>
                   <a:srgbClr val="6679DF"/>
                 </a:solidFill>
@@ -6969,7 +6586,7 @@
               <a:t>Sass</a:t>
             </a:r>
             <a:r>
-              <a:rPr lang="zh-CN" altLang="en-US" sz="900" b="1" dirty="0" smtClean="0">
+              <a:rPr lang="zh-CN" altLang="en-US" sz="900" b="1" dirty="0">
                 <a:solidFill>
                   <a:srgbClr val="6679DF"/>
                 </a:solidFill>
@@ -6979,7 +6596,7 @@
               <a:t>、</a:t>
             </a:r>
             <a:r>
-              <a:rPr lang="en-US" altLang="zh-CN" sz="900" b="1" dirty="0" smtClean="0">
+              <a:rPr lang="en-US" altLang="zh-CN" sz="900" b="1" dirty="0">
                 <a:solidFill>
                   <a:srgbClr val="6679DF"/>
                 </a:solidFill>
@@ -6989,16 +6606,12 @@
               <a:t>ejs </a:t>
             </a:r>
             <a:r>
-              <a:rPr lang="en-US" altLang="zh-CN" sz="900" dirty="0" smtClean="0">
+              <a:rPr lang="en-US" altLang="zh-CN" sz="900" dirty="0">
                 <a:latin typeface="微软雅黑" panose="020B0503020204020204" pitchFamily="34" charset="-122"/>
                 <a:ea typeface="微软雅黑" panose="020B0503020204020204" pitchFamily="34" charset="-122"/>
               </a:rPr>
               <a:t>开发Hexo主题</a:t>
             </a:r>
-            <a:endParaRPr lang="en-US" altLang="zh-CN" sz="900" dirty="0" smtClean="0">
-              <a:latin typeface="微软雅黑" panose="020B0503020204020204" pitchFamily="34" charset="-122"/>
-              <a:ea typeface="微软雅黑" panose="020B0503020204020204" pitchFamily="34" charset="-122"/>
-            </a:endParaRPr>
           </a:p>
           <a:p>
             <a:pPr indent="-171450">
@@ -7016,7 +6629,7 @@
               <a:t>熟练使用</a:t>
             </a:r>
             <a:r>
-              <a:rPr lang="en-US" altLang="zh-CN" sz="900" b="1" dirty="0" smtClean="0">
+              <a:rPr lang="en-US" altLang="zh-CN" sz="900" b="1" dirty="0">
                 <a:solidFill>
                   <a:srgbClr val="6679DF"/>
                 </a:solidFill>
@@ -7033,7 +6646,7 @@
               <a:t>对代码进行压缩合并；熟悉使用</a:t>
             </a:r>
             <a:r>
-              <a:rPr lang="en-US" altLang="zh-CN" sz="900" b="1" dirty="0" smtClean="0">
+              <a:rPr lang="en-US" altLang="zh-CN" sz="900" b="1" dirty="0">
                 <a:solidFill>
                   <a:srgbClr val="6679DF"/>
                 </a:solidFill>
@@ -7050,7 +6663,7 @@
               <a:t>和</a:t>
             </a:r>
             <a:r>
-              <a:rPr lang="en-US" altLang="zh-CN" sz="900" b="1" dirty="0" smtClean="0">
+              <a:rPr lang="en-US" altLang="zh-CN" sz="900" b="1" dirty="0">
                 <a:solidFill>
                   <a:srgbClr val="6679DF"/>
                 </a:solidFill>
@@ -7066,10 +6679,6 @@
               </a:rPr>
               <a:t>进行代码管理和版本控制</a:t>
             </a:r>
-            <a:endParaRPr lang="en-US" altLang="zh-CN" sz="900" dirty="0">
-              <a:latin typeface="微软雅黑" panose="020B0503020204020204" pitchFamily="34" charset="-122"/>
-              <a:ea typeface="微软雅黑" panose="020B0503020204020204" pitchFamily="34" charset="-122"/>
-            </a:endParaRPr>
           </a:p>
         </p:txBody>
       </p:sp>
@@ -7081,7 +6690,7 @@
         </p:nvSpPr>
         <p:spPr>
           <a:xfrm>
-            <a:off x="3423266" y="6198244"/>
+            <a:off x="3423266" y="6626869"/>
             <a:ext cx="492443" cy="276999"/>
           </a:xfrm>
           <a:prstGeom prst="rect">
@@ -7092,10 +6701,11 @@
           <a:bodyPr wrap="none">
             <a:spAutoFit/>
           </a:bodyPr>
+          <a:lstStyle/>
           <a:p>
             <a:pPr lvl="0"/>
             <a:r>
-              <a:rPr lang="zh-CN" altLang="en-US" sz="1200" b="1" dirty="0" smtClean="0">
+              <a:rPr lang="zh-CN" altLang="en-US" sz="1200" b="1" dirty="0">
                 <a:latin typeface="微软雅黑" panose="020B0503020204020204" pitchFamily="34" charset="-122"/>
                 <a:ea typeface="微软雅黑" panose="020B0503020204020204" pitchFamily="34" charset="-122"/>
               </a:rPr>
@@ -7116,7 +6726,7 @@
         </p:nvCxnSpPr>
         <p:spPr>
           <a:xfrm>
-            <a:off x="3538524" y="6473924"/>
+            <a:off x="3538524" y="6912074"/>
             <a:ext cx="2941591" cy="0"/>
           </a:xfrm>
           <a:prstGeom prst="line">
@@ -7143,18 +6753,1053 @@
           </a:fontRef>
         </p:style>
       </p:cxnSp>
+      <p:sp>
+        <p:nvSpPr>
+          <p:cNvPr id="68" name="椭圆 67">
+            <a:extLst>
+              <a:ext uri="{FF2B5EF4-FFF2-40B4-BE49-F238E27FC236}">
+                <a16:creationId xmlns:a16="http://schemas.microsoft.com/office/drawing/2014/main" id="{CD5D0674-AA87-4CAF-AB53-1CBE1987DF34}"/>
+              </a:ext>
+            </a:extLst>
+          </p:cNvPr>
+          <p:cNvSpPr/>
+          <p:nvPr/>
+        </p:nvSpPr>
+        <p:spPr>
+          <a:xfrm flipH="1">
+            <a:off x="307463" y="2601100"/>
+            <a:ext cx="84636" cy="84636"/>
+          </a:xfrm>
+          <a:prstGeom prst="ellipse">
+            <a:avLst/>
+          </a:prstGeom>
+          <a:solidFill>
+            <a:schemeClr val="tx1"/>
+          </a:solidFill>
+          <a:ln w="15875">
+            <a:solidFill>
+              <a:schemeClr val="bg1"/>
+            </a:solidFill>
+          </a:ln>
+        </p:spPr>
+        <p:style>
+          <a:lnRef idx="2">
+            <a:schemeClr val="accent1">
+              <a:shade val="50000"/>
+            </a:schemeClr>
+          </a:lnRef>
+          <a:fillRef idx="1">
+            <a:schemeClr val="accent1"/>
+          </a:fillRef>
+          <a:effectRef idx="0">
+            <a:schemeClr val="accent1"/>
+          </a:effectRef>
+          <a:fontRef idx="minor">
+            <a:schemeClr val="lt1"/>
+          </a:fontRef>
+        </p:style>
+        <p:txBody>
+          <a:bodyPr rtlCol="0" anchor="ctr"/>
+          <a:lstStyle/>
+          <a:p>
+            <a:pPr algn="ctr"/>
+            <a:endParaRPr lang="zh-CN" altLang="en-US"/>
+          </a:p>
+        </p:txBody>
+      </p:sp>
+      <p:grpSp>
+        <p:nvGrpSpPr>
+          <p:cNvPr id="70" name="组合 69">
+            <a:extLst>
+              <a:ext uri="{FF2B5EF4-FFF2-40B4-BE49-F238E27FC236}">
+                <a16:creationId xmlns:a16="http://schemas.microsoft.com/office/drawing/2014/main" id="{381F80DB-2B35-4630-B597-C55806C0DBEB}"/>
+              </a:ext>
+            </a:extLst>
+          </p:cNvPr>
+          <p:cNvGrpSpPr/>
+          <p:nvPr/>
+        </p:nvGrpSpPr>
+        <p:grpSpPr>
+          <a:xfrm>
+            <a:off x="432332" y="2298849"/>
+            <a:ext cx="2867930" cy="1766676"/>
+            <a:chOff x="416608" y="3734152"/>
+            <a:chExt cx="2867930" cy="1766676"/>
+          </a:xfrm>
+        </p:grpSpPr>
+        <p:sp>
+          <p:nvSpPr>
+            <p:cNvPr id="81" name="矩形 80">
+              <a:extLst>
+                <a:ext uri="{FF2B5EF4-FFF2-40B4-BE49-F238E27FC236}">
+                  <a16:creationId xmlns:a16="http://schemas.microsoft.com/office/drawing/2014/main" id="{01CF2564-984F-4C60-A7F1-BD5C5F915B57}"/>
+                </a:ext>
+              </a:extLst>
+            </p:cNvPr>
+            <p:cNvSpPr/>
+            <p:nvPr/>
+          </p:nvSpPr>
+          <p:spPr>
+            <a:xfrm>
+              <a:off x="416608" y="3734152"/>
+              <a:ext cx="909223" cy="254429"/>
+            </a:xfrm>
+            <a:prstGeom prst="rect">
+              <a:avLst/>
+            </a:prstGeom>
+          </p:spPr>
+          <p:txBody>
+            <a:bodyPr wrap="none">
+              <a:spAutoFit/>
+            </a:bodyPr>
+            <a:lstStyle/>
+            <a:p>
+              <a:pPr lvl="0">
+                <a:lnSpc>
+                  <a:spcPts val="1400"/>
+                </a:lnSpc>
+              </a:pPr>
+              <a:r>
+                <a:rPr lang="en-US" altLang="zh-CN" sz="900" dirty="0">
+                  <a:latin typeface="微软雅黑" panose="020B0503020204020204" pitchFamily="34" charset="-122"/>
+                  <a:ea typeface="微软雅黑" panose="020B0503020204020204" pitchFamily="34" charset="-122"/>
+                </a:rPr>
+                <a:t>2018.5 – </a:t>
+              </a:r>
+              <a:r>
+                <a:rPr lang="zh-CN" altLang="en-US" sz="900" dirty="0">
+                  <a:latin typeface="微软雅黑" panose="020B0503020204020204" pitchFamily="34" charset="-122"/>
+                  <a:ea typeface="微软雅黑" panose="020B0503020204020204" pitchFamily="34" charset="-122"/>
+                </a:rPr>
+                <a:t>至今</a:t>
+              </a:r>
+              <a:endParaRPr lang="en-US" altLang="zh-CN" sz="900" dirty="0">
+                <a:latin typeface="微软雅黑" panose="020B0503020204020204" pitchFamily="34" charset="-122"/>
+                <a:ea typeface="微软雅黑" panose="020B0503020204020204" pitchFamily="34" charset="-122"/>
+              </a:endParaRPr>
+            </a:p>
+          </p:txBody>
+        </p:sp>
+        <p:sp>
+          <p:nvSpPr>
+            <p:cNvPr id="82" name="矩形 81">
+              <a:extLst>
+                <a:ext uri="{FF2B5EF4-FFF2-40B4-BE49-F238E27FC236}">
+                  <a16:creationId xmlns:a16="http://schemas.microsoft.com/office/drawing/2014/main" id="{30A0162C-ED92-429E-B91C-6E8C5ED18587}"/>
+                </a:ext>
+              </a:extLst>
+            </p:cNvPr>
+            <p:cNvSpPr/>
+            <p:nvPr/>
+          </p:nvSpPr>
+          <p:spPr>
+            <a:xfrm>
+              <a:off x="416608" y="3908240"/>
+              <a:ext cx="1447832" cy="306174"/>
+            </a:xfrm>
+            <a:prstGeom prst="rect">
+              <a:avLst/>
+            </a:prstGeom>
+          </p:spPr>
+          <p:txBody>
+            <a:bodyPr wrap="none">
+              <a:spAutoFit/>
+            </a:bodyPr>
+            <a:lstStyle/>
+            <a:p>
+              <a:pPr lvl="0">
+                <a:lnSpc>
+                  <a:spcPct val="150000"/>
+                </a:lnSpc>
+              </a:pPr>
+              <a:r>
+                <a:rPr lang="zh-CN" altLang="en-US" sz="1050" b="1" dirty="0">
+                  <a:latin typeface="微软雅黑" panose="020B0503020204020204" pitchFamily="34" charset="-122"/>
+                  <a:ea typeface="微软雅黑" panose="020B0503020204020204" pitchFamily="34" charset="-122"/>
+                </a:rPr>
+                <a:t>餐宴网</a:t>
+              </a:r>
+              <a:r>
+                <a:rPr lang="en-US" altLang="zh-CN" sz="1050" b="1" dirty="0">
+                  <a:latin typeface="微软雅黑" panose="020B0503020204020204" pitchFamily="34" charset="-122"/>
+                  <a:ea typeface="微软雅黑" panose="020B0503020204020204" pitchFamily="34" charset="-122"/>
+                </a:rPr>
+                <a:t>— </a:t>
+              </a:r>
+              <a:r>
+                <a:rPr lang="zh-CN" altLang="en-US" sz="1050" b="1" dirty="0">
+                  <a:latin typeface="微软雅黑" panose="020B0503020204020204" pitchFamily="34" charset="-122"/>
+                  <a:ea typeface="微软雅黑" panose="020B0503020204020204" pitchFamily="34" charset="-122"/>
+                </a:rPr>
+                <a:t>微信小程序</a:t>
+              </a:r>
+            </a:p>
+          </p:txBody>
+        </p:sp>
+        <p:sp>
+          <p:nvSpPr>
+            <p:cNvPr id="83" name="矩形 82">
+              <a:extLst>
+                <a:ext uri="{FF2B5EF4-FFF2-40B4-BE49-F238E27FC236}">
+                  <a16:creationId xmlns:a16="http://schemas.microsoft.com/office/drawing/2014/main" id="{8446B75F-09E6-420E-8456-E55EC53F5C3C}"/>
+                </a:ext>
+              </a:extLst>
+            </p:cNvPr>
+            <p:cNvSpPr/>
+            <p:nvPr/>
+          </p:nvSpPr>
+          <p:spPr>
+            <a:xfrm>
+              <a:off x="416609" y="4467340"/>
+              <a:ext cx="2867929" cy="1033488"/>
+            </a:xfrm>
+            <a:prstGeom prst="rect">
+              <a:avLst/>
+            </a:prstGeom>
+          </p:spPr>
+          <p:txBody>
+            <a:bodyPr wrap="square">
+              <a:spAutoFit/>
+            </a:bodyPr>
+            <a:lstStyle/>
+            <a:p>
+              <a:pPr marL="171450" lvl="0" indent="-171450">
+                <a:lnSpc>
+                  <a:spcPts val="1500"/>
+                </a:lnSpc>
+                <a:buFont typeface="Wingdings" panose="05000000000000000000" pitchFamily="2" charset="2"/>
+                <a:buChar char="ü"/>
+              </a:pPr>
+              <a:r>
+                <a:rPr lang="zh-CN" altLang="en-US" sz="900" dirty="0">
+                  <a:latin typeface="微软雅黑" panose="020B0503020204020204" pitchFamily="34" charset="-122"/>
+                  <a:ea typeface="微软雅黑" panose="020B0503020204020204" pitchFamily="34" charset="-122"/>
+                </a:rPr>
+                <a:t>实现在小程序中选择商家，选择菜品，确认下单，追踪订单状态这个完整的点餐下单流程</a:t>
+              </a:r>
+              <a:endParaRPr lang="en-US" altLang="zh-CN" sz="900" dirty="0">
+                <a:latin typeface="微软雅黑" panose="020B0503020204020204" pitchFamily="34" charset="-122"/>
+                <a:ea typeface="微软雅黑" panose="020B0503020204020204" pitchFamily="34" charset="-122"/>
+              </a:endParaRPr>
+            </a:p>
+            <a:p>
+              <a:pPr marL="171450" lvl="0" indent="-171450">
+                <a:lnSpc>
+                  <a:spcPts val="1500"/>
+                </a:lnSpc>
+                <a:buFont typeface="Wingdings" panose="05000000000000000000" pitchFamily="2" charset="2"/>
+                <a:buChar char="ü"/>
+              </a:pPr>
+              <a:r>
+                <a:rPr lang="zh-CN" altLang="en-US" sz="900" dirty="0">
+                  <a:latin typeface="微软雅黑" panose="020B0503020204020204" pitchFamily="34" charset="-122"/>
+                  <a:ea typeface="微软雅黑" panose="020B0503020204020204" pitchFamily="34" charset="-122"/>
+                </a:rPr>
+                <a:t>使用小程序原生框架，组件化开发小程序</a:t>
+              </a:r>
+              <a:endParaRPr lang="en-US" altLang="zh-CN" sz="900" dirty="0">
+                <a:latin typeface="微软雅黑" panose="020B0503020204020204" pitchFamily="34" charset="-122"/>
+                <a:ea typeface="微软雅黑" panose="020B0503020204020204" pitchFamily="34" charset="-122"/>
+              </a:endParaRPr>
+            </a:p>
+            <a:p>
+              <a:pPr marL="171450" lvl="0" indent="-171450">
+                <a:lnSpc>
+                  <a:spcPts val="1500"/>
+                </a:lnSpc>
+                <a:buFont typeface="Wingdings" panose="05000000000000000000" pitchFamily="2" charset="2"/>
+                <a:buChar char="ü"/>
+              </a:pPr>
+              <a:r>
+                <a:rPr lang="zh-CN" altLang="en-US" sz="900" dirty="0">
+                  <a:latin typeface="微软雅黑" panose="020B0503020204020204" pitchFamily="34" charset="-122"/>
+                  <a:ea typeface="微软雅黑" panose="020B0503020204020204" pitchFamily="34" charset="-122"/>
+                </a:rPr>
+                <a:t>接口数据获取与业务逻辑代码分离，增加</a:t>
+              </a:r>
+              <a:r>
+                <a:rPr lang="en-US" altLang="zh-CN" sz="900" dirty="0">
+                  <a:latin typeface="微软雅黑" panose="020B0503020204020204" pitchFamily="34" charset="-122"/>
+                  <a:ea typeface="微软雅黑" panose="020B0503020204020204" pitchFamily="34" charset="-122"/>
+                </a:rPr>
+                <a:t>Model</a:t>
+              </a:r>
+              <a:r>
+                <a:rPr lang="zh-CN" altLang="en-US" sz="900" dirty="0">
+                  <a:latin typeface="微软雅黑" panose="020B0503020204020204" pitchFamily="34" charset="-122"/>
+                  <a:ea typeface="微软雅黑" panose="020B0503020204020204" pitchFamily="34" charset="-122"/>
+                </a:rPr>
+                <a:t>层来处理请求的数据</a:t>
+              </a:r>
+              <a:endParaRPr lang="en-US" altLang="zh-CN" sz="900" dirty="0">
+                <a:latin typeface="微软雅黑" panose="020B0503020204020204" pitchFamily="34" charset="-122"/>
+                <a:ea typeface="微软雅黑" panose="020B0503020204020204" pitchFamily="34" charset="-122"/>
+              </a:endParaRPr>
+            </a:p>
+          </p:txBody>
+        </p:sp>
+        <p:sp>
+          <p:nvSpPr>
+            <p:cNvPr id="85" name="矩形 84">
+              <a:extLst>
+                <a:ext uri="{FF2B5EF4-FFF2-40B4-BE49-F238E27FC236}">
+                  <a16:creationId xmlns:a16="http://schemas.microsoft.com/office/drawing/2014/main" id="{8DEA5558-4085-4A11-83CD-C9771C8AA192}"/>
+                </a:ext>
+              </a:extLst>
+            </p:cNvPr>
+            <p:cNvSpPr/>
+            <p:nvPr/>
+          </p:nvSpPr>
+          <p:spPr>
+            <a:xfrm>
+              <a:off x="2211534" y="4236770"/>
+              <a:ext cx="619690" cy="203200"/>
+            </a:xfrm>
+            <a:prstGeom prst="rect">
+              <a:avLst/>
+            </a:prstGeom>
+            <a:solidFill>
+              <a:srgbClr val="6679DF"/>
+            </a:solidFill>
+            <a:ln w="6350">
+              <a:noFill/>
+            </a:ln>
+          </p:spPr>
+          <p:style>
+            <a:lnRef idx="2">
+              <a:schemeClr val="accent1">
+                <a:shade val="50000"/>
+              </a:schemeClr>
+            </a:lnRef>
+            <a:fillRef idx="1">
+              <a:schemeClr val="accent1"/>
+            </a:fillRef>
+            <a:effectRef idx="0">
+              <a:schemeClr val="accent1"/>
+            </a:effectRef>
+            <a:fontRef idx="minor">
+              <a:schemeClr val="lt1"/>
+            </a:fontRef>
+          </p:style>
+          <p:txBody>
+            <a:bodyPr rtlCol="0" anchor="ctr"/>
+            <a:lstStyle/>
+            <a:p>
+              <a:pPr lvl="0"/>
+              <a:r>
+                <a:rPr lang="en-US" altLang="zh-CN" sz="900" dirty="0">
+                  <a:solidFill>
+                    <a:prstClr val="white"/>
+                  </a:solidFill>
+                  <a:latin typeface="微软雅黑" panose="020B0503020204020204" pitchFamily="34" charset="-122"/>
+                  <a:ea typeface="微软雅黑" panose="020B0503020204020204" pitchFamily="34" charset="-122"/>
+                </a:rPr>
+                <a:t>Node.js</a:t>
+              </a:r>
+              <a:endParaRPr lang="zh-CN" altLang="en-US" dirty="0">
+                <a:solidFill>
+                  <a:prstClr val="black"/>
+                </a:solidFill>
+              </a:endParaRPr>
+            </a:p>
+          </p:txBody>
+        </p:sp>
+        <p:sp>
+          <p:nvSpPr>
+            <p:cNvPr id="94" name="矩形 93">
+              <a:extLst>
+                <a:ext uri="{FF2B5EF4-FFF2-40B4-BE49-F238E27FC236}">
+                  <a16:creationId xmlns:a16="http://schemas.microsoft.com/office/drawing/2014/main" id="{AB0AF72A-FE1B-4577-A046-B4564E4193A8}"/>
+                </a:ext>
+              </a:extLst>
+            </p:cNvPr>
+            <p:cNvSpPr/>
+            <p:nvPr/>
+          </p:nvSpPr>
+          <p:spPr>
+            <a:xfrm>
+              <a:off x="515033" y="4236957"/>
+              <a:ext cx="810260" cy="203200"/>
+            </a:xfrm>
+            <a:prstGeom prst="rect">
+              <a:avLst/>
+            </a:prstGeom>
+            <a:solidFill>
+              <a:srgbClr val="6679DF"/>
+            </a:solidFill>
+            <a:ln w="6350">
+              <a:noFill/>
+            </a:ln>
+          </p:spPr>
+          <p:style>
+            <a:lnRef idx="2">
+              <a:schemeClr val="accent1">
+                <a:shade val="50000"/>
+              </a:schemeClr>
+            </a:lnRef>
+            <a:fillRef idx="1">
+              <a:schemeClr val="accent1"/>
+            </a:fillRef>
+            <a:effectRef idx="0">
+              <a:schemeClr val="accent1"/>
+            </a:effectRef>
+            <a:fontRef idx="minor">
+              <a:schemeClr val="lt1"/>
+            </a:fontRef>
+          </p:style>
+          <p:txBody>
+            <a:bodyPr rtlCol="0" anchor="ctr"/>
+            <a:lstStyle/>
+            <a:p>
+              <a:pPr lvl="0" algn="ctr"/>
+              <a:r>
+                <a:rPr lang="zh-CN" altLang="en-US" sz="900" dirty="0" err="1">
+                  <a:solidFill>
+                    <a:prstClr val="white"/>
+                  </a:solidFill>
+                  <a:latin typeface="微软雅黑" panose="020B0503020204020204" pitchFamily="34" charset="-122"/>
+                  <a:ea typeface="微软雅黑" panose="020B0503020204020204" pitchFamily="34" charset="-122"/>
+                </a:rPr>
+                <a:t>微信小程序</a:t>
+              </a:r>
+            </a:p>
+          </p:txBody>
+        </p:sp>
+        <p:sp>
+          <p:nvSpPr>
+            <p:cNvPr id="95" name="矩形 94">
+              <a:extLst>
+                <a:ext uri="{FF2B5EF4-FFF2-40B4-BE49-F238E27FC236}">
+                  <a16:creationId xmlns:a16="http://schemas.microsoft.com/office/drawing/2014/main" id="{935CE2AD-64FE-4CC4-8625-53BC937F2CF0}"/>
+                </a:ext>
+              </a:extLst>
+            </p:cNvPr>
+            <p:cNvSpPr/>
+            <p:nvPr/>
+          </p:nvSpPr>
+          <p:spPr>
+            <a:xfrm>
+              <a:off x="1444028" y="4236770"/>
+              <a:ext cx="602993" cy="203200"/>
+            </a:xfrm>
+            <a:prstGeom prst="rect">
+              <a:avLst/>
+            </a:prstGeom>
+            <a:solidFill>
+              <a:srgbClr val="6679DF"/>
+            </a:solidFill>
+            <a:ln w="6350">
+              <a:noFill/>
+            </a:ln>
+          </p:spPr>
+          <p:style>
+            <a:lnRef idx="2">
+              <a:schemeClr val="accent1">
+                <a:shade val="50000"/>
+              </a:schemeClr>
+            </a:lnRef>
+            <a:fillRef idx="1">
+              <a:schemeClr val="accent1"/>
+            </a:fillRef>
+            <a:effectRef idx="0">
+              <a:schemeClr val="accent1"/>
+            </a:effectRef>
+            <a:fontRef idx="minor">
+              <a:schemeClr val="lt1"/>
+            </a:fontRef>
+          </p:style>
+          <p:txBody>
+            <a:bodyPr rtlCol="0" anchor="ctr"/>
+            <a:lstStyle/>
+            <a:p>
+              <a:pPr lvl="0"/>
+              <a:r>
+                <a:rPr lang="en-US" altLang="zh-CN" sz="900" dirty="0">
+                  <a:solidFill>
+                    <a:prstClr val="white"/>
+                  </a:solidFill>
+                  <a:latin typeface="微软雅黑" panose="020B0503020204020204" pitchFamily="34" charset="-122"/>
+                  <a:ea typeface="微软雅黑" panose="020B0503020204020204" pitchFamily="34" charset="-122"/>
+                </a:rPr>
+                <a:t>Leaflet</a:t>
+              </a:r>
+              <a:endParaRPr lang="zh-CN" altLang="en-US" dirty="0">
+                <a:solidFill>
+                  <a:prstClr val="black"/>
+                </a:solidFill>
+              </a:endParaRPr>
+            </a:p>
+          </p:txBody>
+        </p:sp>
+        <p:sp>
+          <p:nvSpPr>
+            <p:cNvPr id="96" name="矩形 95">
+              <a:extLst>
+                <a:ext uri="{FF2B5EF4-FFF2-40B4-BE49-F238E27FC236}">
+                  <a16:creationId xmlns:a16="http://schemas.microsoft.com/office/drawing/2014/main" id="{6A211B8A-F5E9-4BC9-93E1-D9D1FB81D622}"/>
+                </a:ext>
+              </a:extLst>
+            </p:cNvPr>
+            <p:cNvSpPr/>
+            <p:nvPr/>
+          </p:nvSpPr>
+          <p:spPr>
+            <a:xfrm>
+              <a:off x="2212169" y="4246295"/>
+              <a:ext cx="619690" cy="203200"/>
+            </a:xfrm>
+            <a:prstGeom prst="rect">
+              <a:avLst/>
+            </a:prstGeom>
+            <a:solidFill>
+              <a:srgbClr val="6679DF"/>
+            </a:solidFill>
+            <a:ln w="6350">
+              <a:noFill/>
+            </a:ln>
+          </p:spPr>
+          <p:style>
+            <a:lnRef idx="2">
+              <a:schemeClr val="accent1">
+                <a:shade val="50000"/>
+              </a:schemeClr>
+            </a:lnRef>
+            <a:fillRef idx="1">
+              <a:schemeClr val="accent1"/>
+            </a:fillRef>
+            <a:effectRef idx="0">
+              <a:schemeClr val="accent1"/>
+            </a:effectRef>
+            <a:fontRef idx="minor">
+              <a:schemeClr val="lt1"/>
+            </a:fontRef>
+          </p:style>
+          <p:txBody>
+            <a:bodyPr rtlCol="0" anchor="ctr"/>
+            <a:lstStyle/>
+            <a:p>
+              <a:pPr lvl="0" algn="ctr"/>
+              <a:r>
+                <a:rPr lang="en-US" sz="900" dirty="0">
+                  <a:latin typeface="微软雅黑" panose="020B0503020204020204" pitchFamily="34" charset="-122"/>
+                  <a:ea typeface="微软雅黑" panose="020B0503020204020204" pitchFamily="34" charset="-122"/>
+                  <a:sym typeface="+mn-ea"/>
+                </a:rPr>
+                <a:t>flex</a:t>
+              </a:r>
+              <a:r>
+                <a:rPr lang="zh-CN" altLang="en-US" sz="900" dirty="0">
+                  <a:latin typeface="微软雅黑" panose="020B0503020204020204" pitchFamily="34" charset="-122"/>
+                  <a:ea typeface="微软雅黑" panose="020B0503020204020204" pitchFamily="34" charset="-122"/>
+                  <a:sym typeface="+mn-ea"/>
+                </a:rPr>
+                <a:t>布局</a:t>
+              </a:r>
+              <a:endParaRPr lang="zh-CN" altLang="en-US" dirty="0">
+                <a:solidFill>
+                  <a:prstClr val="black"/>
+                </a:solidFill>
+              </a:endParaRPr>
+            </a:p>
+          </p:txBody>
+        </p:sp>
+        <p:sp>
+          <p:nvSpPr>
+            <p:cNvPr id="97" name="矩形 96">
+              <a:extLst>
+                <a:ext uri="{FF2B5EF4-FFF2-40B4-BE49-F238E27FC236}">
+                  <a16:creationId xmlns:a16="http://schemas.microsoft.com/office/drawing/2014/main" id="{2BE0409B-D32F-4A3C-A23E-36E1FD7C927F}"/>
+                </a:ext>
+              </a:extLst>
+            </p:cNvPr>
+            <p:cNvSpPr/>
+            <p:nvPr/>
+          </p:nvSpPr>
+          <p:spPr>
+            <a:xfrm>
+              <a:off x="515668" y="4246482"/>
+              <a:ext cx="810260" cy="203200"/>
+            </a:xfrm>
+            <a:prstGeom prst="rect">
+              <a:avLst/>
+            </a:prstGeom>
+            <a:solidFill>
+              <a:srgbClr val="6679DF"/>
+            </a:solidFill>
+            <a:ln w="6350">
+              <a:noFill/>
+            </a:ln>
+          </p:spPr>
+          <p:style>
+            <a:lnRef idx="2">
+              <a:schemeClr val="accent1">
+                <a:shade val="50000"/>
+              </a:schemeClr>
+            </a:lnRef>
+            <a:fillRef idx="1">
+              <a:schemeClr val="accent1"/>
+            </a:fillRef>
+            <a:effectRef idx="0">
+              <a:schemeClr val="accent1"/>
+            </a:effectRef>
+            <a:fontRef idx="minor">
+              <a:schemeClr val="lt1"/>
+            </a:fontRef>
+          </p:style>
+          <p:txBody>
+            <a:bodyPr rtlCol="0" anchor="ctr"/>
+            <a:lstStyle/>
+            <a:p>
+              <a:pPr lvl="0" algn="ctr"/>
+              <a:r>
+                <a:rPr lang="en-US" altLang="zh-CN" sz="900" dirty="0">
+                  <a:solidFill>
+                    <a:prstClr val="white"/>
+                  </a:solidFill>
+                  <a:latin typeface="微软雅黑" panose="020B0503020204020204" pitchFamily="34" charset="-122"/>
+                  <a:ea typeface="微软雅黑" panose="020B0503020204020204" pitchFamily="34" charset="-122"/>
+                </a:rPr>
+                <a:t>ES6</a:t>
+              </a:r>
+              <a:r>
+                <a:rPr lang="zh-CN" altLang="en-US" sz="900" dirty="0">
+                  <a:solidFill>
+                    <a:prstClr val="white"/>
+                  </a:solidFill>
+                  <a:latin typeface="微软雅黑" panose="020B0503020204020204" pitchFamily="34" charset="-122"/>
+                  <a:ea typeface="微软雅黑" panose="020B0503020204020204" pitchFamily="34" charset="-122"/>
+                </a:rPr>
+                <a:t>语法</a:t>
+              </a:r>
+            </a:p>
+          </p:txBody>
+        </p:sp>
+        <p:sp>
+          <p:nvSpPr>
+            <p:cNvPr id="98" name="矩形 97">
+              <a:extLst>
+                <a:ext uri="{FF2B5EF4-FFF2-40B4-BE49-F238E27FC236}">
+                  <a16:creationId xmlns:a16="http://schemas.microsoft.com/office/drawing/2014/main" id="{0588CB7F-B438-47BD-8DAD-0434FF92BAD5}"/>
+                </a:ext>
+              </a:extLst>
+            </p:cNvPr>
+            <p:cNvSpPr/>
+            <p:nvPr/>
+          </p:nvSpPr>
+          <p:spPr>
+            <a:xfrm>
+              <a:off x="1444028" y="4246295"/>
+              <a:ext cx="602993" cy="203200"/>
+            </a:xfrm>
+            <a:prstGeom prst="rect">
+              <a:avLst/>
+            </a:prstGeom>
+            <a:solidFill>
+              <a:srgbClr val="6679DF"/>
+            </a:solidFill>
+            <a:ln w="6350">
+              <a:noFill/>
+            </a:ln>
+          </p:spPr>
+          <p:style>
+            <a:lnRef idx="2">
+              <a:schemeClr val="accent1">
+                <a:shade val="50000"/>
+              </a:schemeClr>
+            </a:lnRef>
+            <a:fillRef idx="1">
+              <a:schemeClr val="accent1"/>
+            </a:fillRef>
+            <a:effectRef idx="0">
+              <a:schemeClr val="accent1"/>
+            </a:effectRef>
+            <a:fontRef idx="minor">
+              <a:schemeClr val="lt1"/>
+            </a:fontRef>
+          </p:style>
+          <p:txBody>
+            <a:bodyPr rtlCol="0" anchor="ctr"/>
+            <a:lstStyle/>
+            <a:p>
+              <a:pPr lvl="0" algn="ctr"/>
+              <a:r>
+                <a:rPr lang="zh-CN" altLang="en-US" sz="900" dirty="0">
+                  <a:latin typeface="微软雅黑" panose="020B0503020204020204" pitchFamily="34" charset="-122"/>
+                  <a:ea typeface="微软雅黑" panose="020B0503020204020204" pitchFamily="34" charset="-122"/>
+                  <a:sym typeface="+mn-ea"/>
+                </a:rPr>
+                <a:t>组件化</a:t>
+              </a:r>
+              <a:endParaRPr lang="zh-CN" altLang="en-US" dirty="0">
+                <a:solidFill>
+                  <a:prstClr val="black"/>
+                </a:solidFill>
+              </a:endParaRPr>
+            </a:p>
+          </p:txBody>
+        </p:sp>
+      </p:grpSp>
+      <p:sp>
+        <p:nvSpPr>
+          <p:cNvPr id="104" name="圆角矩形 72">
+            <a:extLst>
+              <a:ext uri="{FF2B5EF4-FFF2-40B4-BE49-F238E27FC236}">
+                <a16:creationId xmlns:a16="http://schemas.microsoft.com/office/drawing/2014/main" id="{FDEF855F-2567-4650-A314-52A6A9A4013F}"/>
+              </a:ext>
+            </a:extLst>
+          </p:cNvPr>
+          <p:cNvSpPr/>
+          <p:nvPr/>
+        </p:nvSpPr>
+        <p:spPr>
+          <a:xfrm>
+            <a:off x="1500528" y="2368036"/>
+            <a:ext cx="641187" cy="140176"/>
+          </a:xfrm>
+          <a:prstGeom prst="roundRect">
+            <a:avLst>
+              <a:gd name="adj" fmla="val 50000"/>
+            </a:avLst>
+          </a:prstGeom>
+          <a:solidFill>
+            <a:srgbClr val="E9ECFB"/>
+          </a:solidFill>
+          <a:ln>
+            <a:noFill/>
+          </a:ln>
+        </p:spPr>
+        <p:style>
+          <a:lnRef idx="2">
+            <a:schemeClr val="accent1">
+              <a:shade val="50000"/>
+            </a:schemeClr>
+          </a:lnRef>
+          <a:fillRef idx="1">
+            <a:schemeClr val="accent1"/>
+          </a:fillRef>
+          <a:effectRef idx="0">
+            <a:schemeClr val="accent1"/>
+          </a:effectRef>
+          <a:fontRef idx="minor">
+            <a:schemeClr val="lt1"/>
+          </a:fontRef>
+        </p:style>
+        <p:txBody>
+          <a:bodyPr rtlCol="0" anchor="ctr"/>
+          <a:lstStyle/>
+          <a:p>
+            <a:pPr algn="ctr"/>
+            <a:r>
+              <a:rPr lang="zh-CN" altLang="en-US" sz="800" dirty="0">
+                <a:solidFill>
+                  <a:srgbClr val="6679DF"/>
+                </a:solidFill>
+                <a:latin typeface="微软雅黑" panose="020B0503020204020204" pitchFamily="34" charset="-122"/>
+                <a:ea typeface="微软雅黑" panose="020B0503020204020204" pitchFamily="34" charset="-122"/>
+              </a:rPr>
+              <a:t>团队项目</a:t>
+            </a:r>
+          </a:p>
+        </p:txBody>
+      </p:sp>
+      <p:sp>
+        <p:nvSpPr>
+          <p:cNvPr id="108" name="椭圆 107">
+            <a:extLst>
+              <a:ext uri="{FF2B5EF4-FFF2-40B4-BE49-F238E27FC236}">
+                <a16:creationId xmlns:a16="http://schemas.microsoft.com/office/drawing/2014/main" id="{D8BCF725-7983-4EA2-9E0C-43EC460A621F}"/>
+              </a:ext>
+            </a:extLst>
+          </p:cNvPr>
+          <p:cNvSpPr/>
+          <p:nvPr/>
+        </p:nvSpPr>
+        <p:spPr>
+          <a:xfrm flipH="1">
+            <a:off x="3480710" y="1672416"/>
+            <a:ext cx="84636" cy="84636"/>
+          </a:xfrm>
+          <a:prstGeom prst="ellipse">
+            <a:avLst/>
+          </a:prstGeom>
+          <a:solidFill>
+            <a:schemeClr val="tx1"/>
+          </a:solidFill>
+          <a:ln w="15875">
+            <a:solidFill>
+              <a:schemeClr val="bg1"/>
+            </a:solidFill>
+          </a:ln>
+        </p:spPr>
+        <p:style>
+          <a:lnRef idx="2">
+            <a:schemeClr val="accent1">
+              <a:shade val="50000"/>
+            </a:schemeClr>
+          </a:lnRef>
+          <a:fillRef idx="1">
+            <a:schemeClr val="accent1"/>
+          </a:fillRef>
+          <a:effectRef idx="0">
+            <a:schemeClr val="accent1"/>
+          </a:effectRef>
+          <a:fontRef idx="minor">
+            <a:schemeClr val="lt1"/>
+          </a:fontRef>
+        </p:style>
+        <p:txBody>
+          <a:bodyPr rtlCol="0" anchor="ctr"/>
+          <a:lstStyle/>
+          <a:p>
+            <a:pPr algn="ctr"/>
+            <a:endParaRPr lang="zh-CN" altLang="en-US"/>
+          </a:p>
+        </p:txBody>
+      </p:sp>
+      <p:grpSp>
+        <p:nvGrpSpPr>
+          <p:cNvPr id="110" name="组合 109">
+            <a:extLst>
+              <a:ext uri="{FF2B5EF4-FFF2-40B4-BE49-F238E27FC236}">
+                <a16:creationId xmlns:a16="http://schemas.microsoft.com/office/drawing/2014/main" id="{4685DE9A-D06B-4038-BA8D-2C94FCE39140}"/>
+              </a:ext>
+            </a:extLst>
+          </p:cNvPr>
+          <p:cNvGrpSpPr/>
+          <p:nvPr/>
+        </p:nvGrpSpPr>
+        <p:grpSpPr>
+          <a:xfrm>
+            <a:off x="3577003" y="1596536"/>
+            <a:ext cx="2867930" cy="966825"/>
+            <a:chOff x="416608" y="3947397"/>
+            <a:chExt cx="2867930" cy="966825"/>
+          </a:xfrm>
+        </p:grpSpPr>
+        <p:sp>
+          <p:nvSpPr>
+            <p:cNvPr id="111" name="矩形 110">
+              <a:extLst>
+                <a:ext uri="{FF2B5EF4-FFF2-40B4-BE49-F238E27FC236}">
+                  <a16:creationId xmlns:a16="http://schemas.microsoft.com/office/drawing/2014/main" id="{8483F2C2-DB07-46E2-A85C-1984BC8C7EC3}"/>
+                </a:ext>
+              </a:extLst>
+            </p:cNvPr>
+            <p:cNvSpPr/>
+            <p:nvPr/>
+          </p:nvSpPr>
+          <p:spPr>
+            <a:xfrm>
+              <a:off x="416608" y="3947397"/>
+              <a:ext cx="909223" cy="254429"/>
+            </a:xfrm>
+            <a:prstGeom prst="rect">
+              <a:avLst/>
+            </a:prstGeom>
+          </p:spPr>
+          <p:txBody>
+            <a:bodyPr wrap="none">
+              <a:spAutoFit/>
+            </a:bodyPr>
+            <a:lstStyle/>
+            <a:p>
+              <a:pPr lvl="0">
+                <a:lnSpc>
+                  <a:spcPts val="1400"/>
+                </a:lnSpc>
+              </a:pPr>
+              <a:r>
+                <a:rPr lang="en-US" altLang="zh-CN" sz="900" dirty="0">
+                  <a:latin typeface="微软雅黑" panose="020B0503020204020204" pitchFamily="34" charset="-122"/>
+                  <a:ea typeface="微软雅黑" panose="020B0503020204020204" pitchFamily="34" charset="-122"/>
+                </a:rPr>
+                <a:t>2018.5 – </a:t>
+              </a:r>
+              <a:r>
+                <a:rPr lang="zh-CN" altLang="en-US" sz="900" dirty="0">
+                  <a:latin typeface="微软雅黑" panose="020B0503020204020204" pitchFamily="34" charset="-122"/>
+                  <a:ea typeface="微软雅黑" panose="020B0503020204020204" pitchFamily="34" charset="-122"/>
+                </a:rPr>
+                <a:t>至今</a:t>
+              </a:r>
+            </a:p>
+          </p:txBody>
+        </p:sp>
+        <p:sp>
+          <p:nvSpPr>
+            <p:cNvPr id="112" name="矩形 111">
+              <a:extLst>
+                <a:ext uri="{FF2B5EF4-FFF2-40B4-BE49-F238E27FC236}">
+                  <a16:creationId xmlns:a16="http://schemas.microsoft.com/office/drawing/2014/main" id="{075639FC-0ED8-4DDF-85DF-5A3E2FF2FE96}"/>
+                </a:ext>
+              </a:extLst>
+            </p:cNvPr>
+            <p:cNvSpPr/>
+            <p:nvPr/>
+          </p:nvSpPr>
+          <p:spPr>
+            <a:xfrm>
+              <a:off x="416608" y="4137230"/>
+              <a:ext cx="1800493" cy="306174"/>
+            </a:xfrm>
+            <a:prstGeom prst="rect">
+              <a:avLst/>
+            </a:prstGeom>
+          </p:spPr>
+          <p:txBody>
+            <a:bodyPr wrap="none">
+              <a:spAutoFit/>
+            </a:bodyPr>
+            <a:lstStyle/>
+            <a:p>
+              <a:pPr lvl="0">
+                <a:lnSpc>
+                  <a:spcPct val="150000"/>
+                </a:lnSpc>
+              </a:pPr>
+              <a:r>
+                <a:rPr lang="zh-CN" altLang="en-US" sz="1050" b="1" dirty="0">
+                  <a:latin typeface="微软雅黑" panose="020B0503020204020204" pitchFamily="34" charset="-122"/>
+                  <a:ea typeface="微软雅黑" panose="020B0503020204020204" pitchFamily="34" charset="-122"/>
+                </a:rPr>
+                <a:t>天津食健科技发展有限公司</a:t>
+              </a:r>
+            </a:p>
+          </p:txBody>
+        </p:sp>
+        <p:sp>
+          <p:nvSpPr>
+            <p:cNvPr id="113" name="矩形 112">
+              <a:extLst>
+                <a:ext uri="{FF2B5EF4-FFF2-40B4-BE49-F238E27FC236}">
+                  <a16:creationId xmlns:a16="http://schemas.microsoft.com/office/drawing/2014/main" id="{3FA405F0-0D80-40A8-A029-062CB56574CC}"/>
+                </a:ext>
+              </a:extLst>
+            </p:cNvPr>
+            <p:cNvSpPr/>
+            <p:nvPr/>
+          </p:nvSpPr>
+          <p:spPr>
+            <a:xfrm>
+              <a:off x="416609" y="4457815"/>
+              <a:ext cx="2867929" cy="456407"/>
+            </a:xfrm>
+            <a:prstGeom prst="rect">
+              <a:avLst/>
+            </a:prstGeom>
+          </p:spPr>
+          <p:txBody>
+            <a:bodyPr wrap="square">
+              <a:spAutoFit/>
+            </a:bodyPr>
+            <a:lstStyle/>
+            <a:p>
+              <a:pPr marL="171450" lvl="0" indent="-171450">
+                <a:lnSpc>
+                  <a:spcPts val="1500"/>
+                </a:lnSpc>
+                <a:buFont typeface="Wingdings" panose="05000000000000000000" pitchFamily="2" charset="2"/>
+                <a:buChar char="ü"/>
+              </a:pPr>
+              <a:r>
+                <a:rPr lang="zh-CN" altLang="en-US" sz="900" dirty="0">
+                  <a:latin typeface="微软雅黑" panose="020B0503020204020204" pitchFamily="34" charset="-122"/>
+                  <a:ea typeface="微软雅黑" panose="020B0503020204020204" pitchFamily="34" charset="-122"/>
+                </a:rPr>
+                <a:t>负责餐宴网平台网站前端的研发</a:t>
+              </a:r>
+              <a:endParaRPr lang="en-US" altLang="zh-CN" sz="900" dirty="0">
+                <a:latin typeface="微软雅黑" panose="020B0503020204020204" pitchFamily="34" charset="-122"/>
+                <a:ea typeface="微软雅黑" panose="020B0503020204020204" pitchFamily="34" charset="-122"/>
+              </a:endParaRPr>
+            </a:p>
+            <a:p>
+              <a:pPr marL="171450" lvl="0" indent="-171450">
+                <a:lnSpc>
+                  <a:spcPts val="1500"/>
+                </a:lnSpc>
+                <a:buFont typeface="Wingdings" panose="05000000000000000000" pitchFamily="2" charset="2"/>
+                <a:buChar char="ü"/>
+              </a:pPr>
+              <a:r>
+                <a:rPr lang="zh-CN" altLang="en-US" sz="900" dirty="0">
+                  <a:latin typeface="微软雅黑" panose="020B0503020204020204" pitchFamily="34" charset="-122"/>
+                  <a:ea typeface="微软雅黑" panose="020B0503020204020204" pitchFamily="34" charset="-122"/>
+                </a:rPr>
+                <a:t>负责餐宴网微信小程序的开发和维护工作</a:t>
+              </a:r>
+            </a:p>
+          </p:txBody>
+        </p:sp>
+      </p:grpSp>
+      <p:sp>
+        <p:nvSpPr>
+          <p:cNvPr id="114" name="圆角矩形 139">
+            <a:extLst>
+              <a:ext uri="{FF2B5EF4-FFF2-40B4-BE49-F238E27FC236}">
+                <a16:creationId xmlns:a16="http://schemas.microsoft.com/office/drawing/2014/main" id="{75E53FC8-5F74-47BD-99DF-00A0E6417D9A}"/>
+              </a:ext>
+            </a:extLst>
+          </p:cNvPr>
+          <p:cNvSpPr/>
+          <p:nvPr/>
+        </p:nvSpPr>
+        <p:spPr>
+          <a:xfrm>
+            <a:off x="4728384" y="1666869"/>
+            <a:ext cx="641187" cy="140176"/>
+          </a:xfrm>
+          <a:prstGeom prst="roundRect">
+            <a:avLst>
+              <a:gd name="adj" fmla="val 50000"/>
+            </a:avLst>
+          </a:prstGeom>
+          <a:solidFill>
+            <a:srgbClr val="E9ECFB"/>
+          </a:solidFill>
+          <a:ln>
+            <a:noFill/>
+          </a:ln>
+        </p:spPr>
+        <p:style>
+          <a:lnRef idx="2">
+            <a:schemeClr val="accent1">
+              <a:shade val="50000"/>
+            </a:schemeClr>
+          </a:lnRef>
+          <a:fillRef idx="1">
+            <a:schemeClr val="accent1"/>
+          </a:fillRef>
+          <a:effectRef idx="0">
+            <a:schemeClr val="accent1"/>
+          </a:effectRef>
+          <a:fontRef idx="minor">
+            <a:schemeClr val="lt1"/>
+          </a:fontRef>
+        </p:style>
+        <p:txBody>
+          <a:bodyPr rtlCol="0" anchor="ctr"/>
+          <a:lstStyle/>
+          <a:p>
+            <a:pPr algn="ctr"/>
+            <a:r>
+              <a:rPr lang="zh-CN" altLang="en-US" sz="800" dirty="0">
+                <a:solidFill>
+                  <a:srgbClr val="6679DF"/>
+                </a:solidFill>
+                <a:latin typeface="微软雅黑" panose="020B0503020204020204" pitchFamily="34" charset="-122"/>
+                <a:ea typeface="微软雅黑" panose="020B0503020204020204" pitchFamily="34" charset="-122"/>
+              </a:rPr>
+              <a:t>前端开发</a:t>
+            </a:r>
+          </a:p>
+        </p:txBody>
+      </p:sp>
     </p:spTree>
   </p:cSld>
   <p:clrMapOvr>
     <a:masterClrMapping/>
   </p:clrMapOvr>
-  <p:timing>
-    <p:tnLst>
-      <p:par>
-        <p:cTn id="1" dur="indefinite" restart="never" nodeType="tmRoot"/>
-      </p:par>
-    </p:tnLst>
-  </p:timing>
 </p:sld>
 </file>
 
@@ -7409,6 +8054,8 @@
       </a:bgFillStyleLst>
     </a:fmtScheme>
   </a:themeElements>
+  <a:objectDefaults/>
+  <a:extraClrSchemeLst/>
   <a:extLst>
     <a:ext uri="{05A4C25C-085E-4340-85A3-A5531E510DB2}">
       <thm15:themeFamily xmlns:thm15="http://schemas.microsoft.com/office/thememl/2012/main" name="Office Theme" id="{62F939B6-93AF-4DB8-9C6B-D6C7DFDC589F}" vid="{4A3C46E8-61CC-4603-A589-7422A47A8E4A}"/>
@@ -7668,6 +8315,8 @@
       </a:bgFillStyleLst>
     </a:fmtScheme>
   </a:themeElements>
+  <a:objectDefaults/>
+  <a:extraClrSchemeLst/>
   <a:extLst>
     <a:ext uri="{05A4C25C-085E-4340-85A3-A5531E510DB2}">
       <thm15:themeFamily xmlns:thm15="http://schemas.microsoft.com/office/thememl/2012/main" name="Office Theme" id="{62F939B6-93AF-4DB8-9C6B-D6C7DFDC589F}" vid="{4A3C46E8-61CC-4603-A589-7422A47A8E4A}"/>
